--- a/Apresentação/PacMan 3D.pptx
+++ b/Apresentação/PacMan 3D.pptx
@@ -13,6 +13,12 @@
     <p:sldId id="262" r:id="rId7"/>
     <p:sldId id="261" r:id="rId8"/>
     <p:sldId id="263" r:id="rId9"/>
+    <p:sldId id="264" r:id="rId10"/>
+    <p:sldId id="265" r:id="rId11"/>
+    <p:sldId id="266" r:id="rId12"/>
+    <p:sldId id="267" r:id="rId13"/>
+    <p:sldId id="268" r:id="rId14"/>
+    <p:sldId id="269" r:id="rId15"/>
   </p:sldIdLst>
   <p:sldSz cx="9144000" cy="6858000" type="screen4x3"/>
   <p:notesSz cx="6858000" cy="9144000"/>
@@ -3187,7 +3193,6 @@
               <a:rPr lang="pt-BR" dirty="0"/>
               <a:t>10/46969</a:t>
             </a:r>
-            <a:endParaRPr lang="pt-BR" dirty="0"/>
           </a:p>
         </p:txBody>
       </p:sp>
@@ -3195,6 +3200,582 @@
     <p:extLst>
       <p:ext uri="{BB962C8B-B14F-4D97-AF65-F5344CB8AC3E}">
         <p14:creationId xmlns:p14="http://schemas.microsoft.com/office/powerpoint/2010/main" val="2475596142"/>
+      </p:ext>
+    </p:extLst>
+  </p:cSld>
+  <p:clrMapOvr>
+    <a:masterClrMapping/>
+  </p:clrMapOvr>
+  <p:timing>
+    <p:tnLst>
+      <p:par>
+        <p:cTn id="1" dur="indefinite" restart="never" nodeType="tmRoot"/>
+      </p:par>
+    </p:tnLst>
+  </p:timing>
+</p:sld>
+</file>
+
+<file path=ppt/slides/slide10.xml><?xml version="1.0" encoding="utf-8"?>
+<p:sld xmlns:a="http://schemas.openxmlformats.org/drawingml/2006/main" xmlns:r="http://schemas.openxmlformats.org/officeDocument/2006/relationships" xmlns:p="http://schemas.openxmlformats.org/presentationml/2006/main">
+  <p:cSld>
+    <p:spTree>
+      <p:nvGrpSpPr>
+        <p:cNvPr id="1" name=""/>
+        <p:cNvGrpSpPr/>
+        <p:nvPr/>
+      </p:nvGrpSpPr>
+      <p:grpSpPr>
+        <a:xfrm>
+          <a:off x="0" y="0"/>
+          <a:ext cx="0" cy="0"/>
+          <a:chOff x="0" y="0"/>
+          <a:chExt cx="0" cy="0"/>
+        </a:xfrm>
+      </p:grpSpPr>
+      <p:sp>
+        <p:nvSpPr>
+          <p:cNvPr id="2" name="Title 1"/>
+          <p:cNvSpPr>
+            <a:spLocks noGrp="1"/>
+          </p:cNvSpPr>
+          <p:nvPr>
+            <p:ph type="title"/>
+          </p:nvPr>
+        </p:nvSpPr>
+        <p:spPr/>
+        <p:txBody>
+          <a:bodyPr/>
+          <a:lstStyle/>
+          <a:p>
+            <a:r>
+              <a:rPr lang="pt-BR" dirty="0" smtClean="0"/>
+              <a:t>Fluxo </a:t>
+            </a:r>
+            <a:r>
+              <a:rPr lang="pt-BR" dirty="0"/>
+              <a:t>de dados</a:t>
+            </a:r>
+            <a:endParaRPr lang="pt-BR" dirty="0"/>
+          </a:p>
+        </p:txBody>
+      </p:sp>
+      <p:sp>
+        <p:nvSpPr>
+          <p:cNvPr id="3" name="Content Placeholder 2"/>
+          <p:cNvSpPr>
+            <a:spLocks noGrp="1"/>
+          </p:cNvSpPr>
+          <p:nvPr>
+            <p:ph idx="1"/>
+          </p:nvPr>
+        </p:nvSpPr>
+        <p:spPr/>
+        <p:txBody>
+          <a:bodyPr/>
+          <a:lstStyle/>
+          <a:p>
+            <a:r>
+              <a:rPr lang="pt-BR" dirty="0"/>
+              <a:t>Game::Manager executa</a:t>
+            </a:r>
+            <a:r>
+              <a:rPr lang="pt-BR" dirty="0" smtClean="0"/>
+              <a:t>()</a:t>
+            </a:r>
+          </a:p>
+          <a:p>
+            <a:pPr lvl="1"/>
+            <a:r>
+              <a:rPr lang="pt-BR" dirty="0" smtClean="0"/>
+              <a:t>É onde inicia o OpenGL, onde </a:t>
+            </a:r>
+            <a:r>
+              <a:rPr lang="pt-BR" dirty="0"/>
+              <a:t>iniciamos o </a:t>
+            </a:r>
+            <a:r>
+              <a:rPr lang="pt-BR" dirty="0" smtClean="0"/>
+              <a:t>Glut, </a:t>
+            </a:r>
+            <a:r>
+              <a:rPr lang="pt-BR" dirty="0"/>
+              <a:t>e setamos </a:t>
+            </a:r>
+            <a:r>
+              <a:rPr lang="pt-BR" dirty="0" smtClean="0"/>
+              <a:t> </a:t>
+            </a:r>
+            <a:r>
+              <a:rPr lang="pt-BR" dirty="0"/>
+              <a:t>o display e eventos de teclado e mouse e </a:t>
+            </a:r>
+            <a:r>
+              <a:rPr lang="pt-BR" dirty="0" smtClean="0"/>
+              <a:t>etc...</a:t>
+            </a:r>
+          </a:p>
+        </p:txBody>
+      </p:sp>
+    </p:spTree>
+    <p:extLst>
+      <p:ext uri="{BB962C8B-B14F-4D97-AF65-F5344CB8AC3E}">
+        <p14:creationId xmlns:p14="http://schemas.microsoft.com/office/powerpoint/2010/main" val="3811582306"/>
+      </p:ext>
+    </p:extLst>
+  </p:cSld>
+  <p:clrMapOvr>
+    <a:masterClrMapping/>
+  </p:clrMapOvr>
+  <p:timing>
+    <p:tnLst>
+      <p:par>
+        <p:cTn id="1" dur="indefinite" restart="never" nodeType="tmRoot"/>
+      </p:par>
+    </p:tnLst>
+  </p:timing>
+</p:sld>
+</file>
+
+<file path=ppt/slides/slide11.xml><?xml version="1.0" encoding="utf-8"?>
+<p:sld xmlns:a="http://schemas.openxmlformats.org/drawingml/2006/main" xmlns:r="http://schemas.openxmlformats.org/officeDocument/2006/relationships" xmlns:p="http://schemas.openxmlformats.org/presentationml/2006/main">
+  <p:cSld>
+    <p:spTree>
+      <p:nvGrpSpPr>
+        <p:cNvPr id="1" name=""/>
+        <p:cNvGrpSpPr/>
+        <p:nvPr/>
+      </p:nvGrpSpPr>
+      <p:grpSpPr>
+        <a:xfrm>
+          <a:off x="0" y="0"/>
+          <a:ext cx="0" cy="0"/>
+          <a:chOff x="0" y="0"/>
+          <a:chExt cx="0" cy="0"/>
+        </a:xfrm>
+      </p:grpSpPr>
+      <p:sp>
+        <p:nvSpPr>
+          <p:cNvPr id="2" name="Title 1"/>
+          <p:cNvSpPr>
+            <a:spLocks noGrp="1"/>
+          </p:cNvSpPr>
+          <p:nvPr>
+            <p:ph type="title"/>
+          </p:nvPr>
+        </p:nvSpPr>
+        <p:spPr/>
+        <p:txBody>
+          <a:bodyPr/>
+          <a:lstStyle/>
+          <a:p>
+            <a:r>
+              <a:rPr lang="pt-BR" dirty="0" smtClean="0"/>
+              <a:t>Fluxo </a:t>
+            </a:r>
+            <a:r>
+              <a:rPr lang="pt-BR" dirty="0"/>
+              <a:t>de dados</a:t>
+            </a:r>
+            <a:endParaRPr lang="pt-BR" dirty="0"/>
+          </a:p>
+        </p:txBody>
+      </p:sp>
+      <p:sp>
+        <p:nvSpPr>
+          <p:cNvPr id="3" name="Content Placeholder 2"/>
+          <p:cNvSpPr>
+            <a:spLocks noGrp="1"/>
+          </p:cNvSpPr>
+          <p:nvPr>
+            <p:ph idx="1"/>
+          </p:nvPr>
+        </p:nvSpPr>
+        <p:spPr/>
+        <p:txBody>
+          <a:bodyPr>
+            <a:normAutofit fontScale="92500" lnSpcReduction="10000"/>
+          </a:bodyPr>
+          <a:lstStyle/>
+          <a:p>
+            <a:r>
+              <a:rPr lang="pt-BR" dirty="0"/>
+              <a:t>Loop </a:t>
+            </a:r>
+            <a:r>
+              <a:rPr lang="pt-BR" dirty="0" smtClean="0"/>
+              <a:t>Pricipal</a:t>
+            </a:r>
+          </a:p>
+          <a:p>
+            <a:pPr lvl="1"/>
+            <a:r>
+              <a:rPr lang="pt-BR" dirty="0" smtClean="0"/>
+              <a:t>O </a:t>
+            </a:r>
+            <a:r>
+              <a:rPr lang="pt-BR" dirty="0"/>
+              <a:t>loop vai fazer uma iteração em toda a lista de entidades e rodar todos os Loops das </a:t>
+            </a:r>
+            <a:r>
+              <a:rPr lang="pt-BR" dirty="0" smtClean="0"/>
+              <a:t>entidades isso </a:t>
+            </a:r>
+            <a:r>
+              <a:rPr lang="pt-BR" dirty="0"/>
+              <a:t>basicamente calcula a nova coordenada da entidade de acordo com a velocidade e aceleração </a:t>
+            </a:r>
+            <a:r>
+              <a:rPr lang="pt-BR" dirty="0" smtClean="0"/>
+              <a:t>delas, depois </a:t>
+            </a:r>
+            <a:r>
+              <a:rPr lang="pt-BR" dirty="0"/>
+              <a:t>ele executa o testaColisao de todas as entidades da lista</a:t>
+            </a:r>
+          </a:p>
+          <a:p>
+            <a:r>
+              <a:rPr lang="pt-BR" dirty="0"/>
+              <a:t>Loop() -&gt;testColisa0() -&gt; executeColisao()</a:t>
+            </a:r>
+          </a:p>
+          <a:p>
+            <a:pPr lvl="1"/>
+            <a:r>
+              <a:rPr lang="pt-BR" dirty="0" smtClean="0"/>
+              <a:t>testa </a:t>
+            </a:r>
+            <a:r>
+              <a:rPr lang="pt-BR" dirty="0"/>
+              <a:t>colisão calcula se ha qualquer tipo de colisao</a:t>
+            </a:r>
+          </a:p>
+          <a:p>
+            <a:pPr lvl="1"/>
+            <a:r>
+              <a:rPr lang="pt-BR" dirty="0"/>
+              <a:t>o executa define oq acontece e recalcula as novas posições pra retirar objetos entrepostos</a:t>
+            </a:r>
+            <a:endParaRPr lang="pt-BR" dirty="0"/>
+          </a:p>
+        </p:txBody>
+      </p:sp>
+    </p:spTree>
+    <p:extLst>
+      <p:ext uri="{BB962C8B-B14F-4D97-AF65-F5344CB8AC3E}">
+        <p14:creationId xmlns:p14="http://schemas.microsoft.com/office/powerpoint/2010/main" val="876569471"/>
+      </p:ext>
+    </p:extLst>
+  </p:cSld>
+  <p:clrMapOvr>
+    <a:masterClrMapping/>
+  </p:clrMapOvr>
+  <p:timing>
+    <p:tnLst>
+      <p:par>
+        <p:cTn id="1" dur="indefinite" restart="never" nodeType="tmRoot"/>
+      </p:par>
+    </p:tnLst>
+  </p:timing>
+</p:sld>
+</file>
+
+<file path=ppt/slides/slide12.xml><?xml version="1.0" encoding="utf-8"?>
+<p:sld xmlns:a="http://schemas.openxmlformats.org/drawingml/2006/main" xmlns:r="http://schemas.openxmlformats.org/officeDocument/2006/relationships" xmlns:p="http://schemas.openxmlformats.org/presentationml/2006/main">
+  <p:cSld>
+    <p:spTree>
+      <p:nvGrpSpPr>
+        <p:cNvPr id="1" name=""/>
+        <p:cNvGrpSpPr/>
+        <p:nvPr/>
+      </p:nvGrpSpPr>
+      <p:grpSpPr>
+        <a:xfrm>
+          <a:off x="0" y="0"/>
+          <a:ext cx="0" cy="0"/>
+          <a:chOff x="0" y="0"/>
+          <a:chExt cx="0" cy="0"/>
+        </a:xfrm>
+      </p:grpSpPr>
+      <p:sp>
+        <p:nvSpPr>
+          <p:cNvPr id="2" name="Title 1"/>
+          <p:cNvSpPr>
+            <a:spLocks noGrp="1"/>
+          </p:cNvSpPr>
+          <p:nvPr>
+            <p:ph type="title"/>
+          </p:nvPr>
+        </p:nvSpPr>
+        <p:spPr/>
+        <p:txBody>
+          <a:bodyPr/>
+          <a:lstStyle/>
+          <a:p>
+            <a:r>
+              <a:rPr lang="pt-BR" dirty="0" smtClean="0"/>
+              <a:t>Geração do mapa</a:t>
+            </a:r>
+            <a:endParaRPr lang="pt-BR" dirty="0"/>
+          </a:p>
+        </p:txBody>
+      </p:sp>
+      <p:sp>
+        <p:nvSpPr>
+          <p:cNvPr id="3" name="Content Placeholder 2"/>
+          <p:cNvSpPr>
+            <a:spLocks noGrp="1"/>
+          </p:cNvSpPr>
+          <p:nvPr>
+            <p:ph idx="1"/>
+          </p:nvPr>
+        </p:nvSpPr>
+        <p:spPr/>
+        <p:txBody>
+          <a:bodyPr/>
+          <a:lstStyle/>
+          <a:p>
+            <a:r>
+              <a:rPr lang="pt-BR" dirty="0" smtClean="0"/>
+              <a:t>Nosso mapa é gerado apartir de 4 tipos de entradas gerando assim nosso tilemap, esses tiles são de 4 tipos, sendo eles:</a:t>
+            </a:r>
+          </a:p>
+          <a:p>
+            <a:r>
+              <a:rPr lang="pt-BR" dirty="0" smtClean="0"/>
+              <a:t>[1] Paredes</a:t>
+            </a:r>
+          </a:p>
+          <a:p>
+            <a:r>
+              <a:rPr lang="pt-BR" dirty="0" smtClean="0"/>
+              <a:t>[2] Espaço em branco</a:t>
+            </a:r>
+          </a:p>
+          <a:p>
+            <a:r>
+              <a:rPr lang="pt-BR" dirty="0" smtClean="0"/>
+              <a:t>[3] Bolas normais</a:t>
+            </a:r>
+          </a:p>
+          <a:p>
+            <a:r>
+              <a:rPr lang="pt-BR" dirty="0" smtClean="0"/>
+              <a:t>[4] Bolas Especiais</a:t>
+            </a:r>
+          </a:p>
+          <a:p>
+            <a:endParaRPr lang="pt-BR" dirty="0"/>
+          </a:p>
+        </p:txBody>
+      </p:sp>
+    </p:spTree>
+    <p:extLst>
+      <p:ext uri="{BB962C8B-B14F-4D97-AF65-F5344CB8AC3E}">
+        <p14:creationId xmlns:p14="http://schemas.microsoft.com/office/powerpoint/2010/main" val="46619554"/>
+      </p:ext>
+    </p:extLst>
+  </p:cSld>
+  <p:clrMapOvr>
+    <a:masterClrMapping/>
+  </p:clrMapOvr>
+  <p:timing>
+    <p:tnLst>
+      <p:par>
+        <p:cTn id="1" dur="indefinite" restart="never" nodeType="tmRoot"/>
+      </p:par>
+    </p:tnLst>
+  </p:timing>
+</p:sld>
+</file>
+
+<file path=ppt/slides/slide13.xml><?xml version="1.0" encoding="utf-8"?>
+<p:sld xmlns:a="http://schemas.openxmlformats.org/drawingml/2006/main" xmlns:r="http://schemas.openxmlformats.org/officeDocument/2006/relationships" xmlns:p="http://schemas.openxmlformats.org/presentationml/2006/main">
+  <p:cSld>
+    <p:spTree>
+      <p:nvGrpSpPr>
+        <p:cNvPr id="1" name=""/>
+        <p:cNvGrpSpPr/>
+        <p:nvPr/>
+      </p:nvGrpSpPr>
+      <p:grpSpPr>
+        <a:xfrm>
+          <a:off x="0" y="0"/>
+          <a:ext cx="0" cy="0"/>
+          <a:chOff x="0" y="0"/>
+          <a:chExt cx="0" cy="0"/>
+        </a:xfrm>
+      </p:grpSpPr>
+      <p:pic>
+        <p:nvPicPr>
+          <p:cNvPr id="3074" name="Picture 2" descr="C:\Users\Guilherme\Desktop\Sem título.png"/>
+          <p:cNvPicPr>
+            <a:picLocks noChangeAspect="1" noChangeArrowheads="1"/>
+          </p:cNvPicPr>
+          <p:nvPr/>
+        </p:nvPicPr>
+        <p:blipFill>
+          <a:blip r:embed="rId2">
+            <a:extLst>
+              <a:ext uri="{28A0092B-C50C-407E-A947-70E740481C1C}">
+                <a14:useLocalDpi xmlns:a14="http://schemas.microsoft.com/office/drawing/2010/main" val="0"/>
+              </a:ext>
+            </a:extLst>
+          </a:blip>
+          <a:srcRect/>
+          <a:stretch>
+            <a:fillRect/>
+          </a:stretch>
+        </p:blipFill>
+        <p:spPr bwMode="auto">
+          <a:xfrm>
+            <a:off x="755576" y="0"/>
+            <a:ext cx="7937585" cy="6857229"/>
+          </a:xfrm>
+          <a:prstGeom prst="rect">
+            <a:avLst/>
+          </a:prstGeom>
+          <a:noFill/>
+          <a:extLst>
+            <a:ext uri="{909E8E84-426E-40DD-AFC4-6F175D3DCCD1}">
+              <a14:hiddenFill xmlns:a14="http://schemas.microsoft.com/office/drawing/2010/main">
+                <a:solidFill>
+                  <a:srgbClr val="FFFFFF"/>
+                </a:solidFill>
+              </a14:hiddenFill>
+            </a:ext>
+          </a:extLst>
+        </p:spPr>
+      </p:pic>
+    </p:spTree>
+    <p:extLst>
+      <p:ext uri="{BB962C8B-B14F-4D97-AF65-F5344CB8AC3E}">
+        <p14:creationId xmlns:p14="http://schemas.microsoft.com/office/powerpoint/2010/main" val="2229752628"/>
+      </p:ext>
+    </p:extLst>
+  </p:cSld>
+  <p:clrMapOvr>
+    <a:masterClrMapping/>
+  </p:clrMapOvr>
+  <p:timing>
+    <p:tnLst>
+      <p:par>
+        <p:cTn id="1" dur="indefinite" restart="never" nodeType="tmRoot"/>
+      </p:par>
+    </p:tnLst>
+  </p:timing>
+</p:sld>
+</file>
+
+<file path=ppt/slides/slide14.xml><?xml version="1.0" encoding="utf-8"?>
+<p:sld xmlns:a="http://schemas.openxmlformats.org/drawingml/2006/main" xmlns:r="http://schemas.openxmlformats.org/officeDocument/2006/relationships" xmlns:p="http://schemas.openxmlformats.org/presentationml/2006/main">
+  <p:cSld>
+    <p:spTree>
+      <p:nvGrpSpPr>
+        <p:cNvPr id="1" name=""/>
+        <p:cNvGrpSpPr/>
+        <p:nvPr/>
+      </p:nvGrpSpPr>
+      <p:grpSpPr>
+        <a:xfrm>
+          <a:off x="0" y="0"/>
+          <a:ext cx="0" cy="0"/>
+          <a:chOff x="0" y="0"/>
+          <a:chExt cx="0" cy="0"/>
+        </a:xfrm>
+      </p:grpSpPr>
+      <p:sp>
+        <p:nvSpPr>
+          <p:cNvPr id="2" name="Title 1"/>
+          <p:cNvSpPr>
+            <a:spLocks noGrp="1"/>
+          </p:cNvSpPr>
+          <p:nvPr>
+            <p:ph type="title"/>
+          </p:nvPr>
+        </p:nvSpPr>
+        <p:spPr/>
+        <p:txBody>
+          <a:bodyPr/>
+          <a:lstStyle/>
+          <a:p>
+            <a:r>
+              <a:rPr lang="pt-BR" dirty="0" smtClean="0"/>
+              <a:t>Dificuldades encontradas</a:t>
+            </a:r>
+            <a:endParaRPr lang="pt-BR" dirty="0"/>
+          </a:p>
+        </p:txBody>
+      </p:sp>
+      <p:sp>
+        <p:nvSpPr>
+          <p:cNvPr id="3" name="Content Placeholder 2"/>
+          <p:cNvSpPr>
+            <a:spLocks noGrp="1"/>
+          </p:cNvSpPr>
+          <p:nvPr>
+            <p:ph idx="1"/>
+          </p:nvPr>
+        </p:nvSpPr>
+        <p:spPr/>
+        <p:txBody>
+          <a:bodyPr>
+            <a:normAutofit/>
+          </a:bodyPr>
+          <a:lstStyle/>
+          <a:p>
+            <a:r>
+              <a:rPr lang="pt-BR" dirty="0" smtClean="0"/>
+              <a:t>Dificuldades em discubrir o modo </a:t>
+            </a:r>
+            <a:r>
+              <a:rPr lang="pt-BR" dirty="0"/>
+              <a:t>com </a:t>
+            </a:r>
+            <a:r>
+              <a:rPr lang="pt-BR" dirty="0" smtClean="0"/>
+              <a:t>que </a:t>
+            </a:r>
+            <a:r>
+              <a:rPr lang="pt-BR" dirty="0"/>
+              <a:t>o glut atrubui as funções e gerencia os </a:t>
+            </a:r>
+            <a:r>
+              <a:rPr lang="pt-BR" dirty="0" smtClean="0"/>
+              <a:t>eventos;</a:t>
+            </a:r>
+          </a:p>
+          <a:p>
+            <a:r>
+              <a:rPr lang="pt-BR" dirty="0" smtClean="0"/>
+              <a:t>Dificuldades em tornar o jogo jogável por multiplataformas; especificamente no tratamento de sons;</a:t>
+            </a:r>
+          </a:p>
+          <a:p>
+            <a:r>
+              <a:rPr lang="pt-BR" dirty="0"/>
+              <a:t>Dificuldade em imprimir objetos 2d por cima do cenario </a:t>
+            </a:r>
+            <a:r>
+              <a:rPr lang="pt-BR" dirty="0" smtClean="0"/>
+              <a:t>3d (</a:t>
+            </a:r>
+            <a:r>
+              <a:rPr lang="pt-BR" smtClean="0"/>
+              <a:t>minimap);</a:t>
+            </a:r>
+            <a:endParaRPr lang="pt-BR" dirty="0" smtClean="0"/>
+          </a:p>
+          <a:p>
+            <a:endParaRPr lang="pt-BR" dirty="0"/>
+          </a:p>
+        </p:txBody>
+      </p:sp>
+    </p:spTree>
+    <p:extLst>
+      <p:ext uri="{BB962C8B-B14F-4D97-AF65-F5344CB8AC3E}">
+        <p14:creationId xmlns:p14="http://schemas.microsoft.com/office/powerpoint/2010/main" val="4062266536"/>
       </p:ext>
     </p:extLst>
   </p:cSld>
@@ -4186,6 +4767,130 @@
     <p:extLst>
       <p:ext uri="{BB962C8B-B14F-4D97-AF65-F5344CB8AC3E}">
         <p14:creationId xmlns:p14="http://schemas.microsoft.com/office/powerpoint/2010/main" val="3863242244"/>
+      </p:ext>
+    </p:extLst>
+  </p:cSld>
+  <p:clrMapOvr>
+    <a:masterClrMapping/>
+  </p:clrMapOvr>
+  <p:timing>
+    <p:tnLst>
+      <p:par>
+        <p:cTn id="1" dur="indefinite" restart="never" nodeType="tmRoot"/>
+      </p:par>
+    </p:tnLst>
+  </p:timing>
+</p:sld>
+</file>
+
+<file path=ppt/slides/slide9.xml><?xml version="1.0" encoding="utf-8"?>
+<p:sld xmlns:a="http://schemas.openxmlformats.org/drawingml/2006/main" xmlns:r="http://schemas.openxmlformats.org/officeDocument/2006/relationships" xmlns:p="http://schemas.openxmlformats.org/presentationml/2006/main">
+  <p:cSld>
+    <p:spTree>
+      <p:nvGrpSpPr>
+        <p:cNvPr id="1" name=""/>
+        <p:cNvGrpSpPr/>
+        <p:nvPr/>
+      </p:nvGrpSpPr>
+      <p:grpSpPr>
+        <a:xfrm>
+          <a:off x="0" y="0"/>
+          <a:ext cx="0" cy="0"/>
+          <a:chOff x="0" y="0"/>
+          <a:chExt cx="0" cy="0"/>
+        </a:xfrm>
+      </p:grpSpPr>
+      <p:sp>
+        <p:nvSpPr>
+          <p:cNvPr id="2" name="Title 1"/>
+          <p:cNvSpPr>
+            <a:spLocks noGrp="1"/>
+          </p:cNvSpPr>
+          <p:nvPr>
+            <p:ph type="title"/>
+          </p:nvPr>
+        </p:nvSpPr>
+        <p:spPr/>
+        <p:txBody>
+          <a:bodyPr/>
+          <a:lstStyle/>
+          <a:p>
+            <a:r>
+              <a:rPr lang="pt-BR" dirty="0" smtClean="0"/>
+              <a:t>Arquitetura</a:t>
+            </a:r>
+            <a:endParaRPr lang="pt-BR" dirty="0"/>
+          </a:p>
+        </p:txBody>
+      </p:sp>
+      <p:sp>
+        <p:nvSpPr>
+          <p:cNvPr id="3" name="Content Placeholder 2"/>
+          <p:cNvSpPr>
+            <a:spLocks noGrp="1"/>
+          </p:cNvSpPr>
+          <p:nvPr>
+            <p:ph idx="1"/>
+          </p:nvPr>
+        </p:nvSpPr>
+        <p:spPr/>
+        <p:txBody>
+          <a:bodyPr/>
+          <a:lstStyle/>
+          <a:p>
+            <a:r>
+              <a:rPr lang="pt-BR" dirty="0" smtClean="0"/>
+              <a:t>Diagrama de classes</a:t>
+            </a:r>
+            <a:endParaRPr lang="pt-BR" dirty="0"/>
+          </a:p>
+        </p:txBody>
+      </p:sp>
+      <p:pic>
+        <p:nvPicPr>
+          <p:cNvPr id="1026" name="Picture 2" descr="C:\Users\Guilherme\Desktop\Overview of Model1.jpg"/>
+          <p:cNvPicPr>
+            <a:picLocks noChangeAspect="1" noChangeArrowheads="1"/>
+          </p:cNvPicPr>
+          <p:nvPr/>
+        </p:nvPicPr>
+        <p:blipFill>
+          <a:blip r:embed="rId2" cstate="print">
+            <a:extLst>
+              <a:ext uri="{28A0092B-C50C-407E-A947-70E740481C1C}">
+                <a14:useLocalDpi xmlns:a14="http://schemas.microsoft.com/office/drawing/2010/main" val="0"/>
+              </a:ext>
+            </a:extLst>
+          </a:blip>
+          <a:srcRect/>
+          <a:stretch>
+            <a:fillRect/>
+          </a:stretch>
+        </p:blipFill>
+        <p:spPr bwMode="auto">
+          <a:xfrm>
+            <a:off x="323528" y="2204864"/>
+            <a:ext cx="8641014" cy="4320480"/>
+          </a:xfrm>
+          <a:prstGeom prst="rect">
+            <a:avLst/>
+          </a:prstGeom>
+          <a:noFill/>
+          <a:extLst>
+            <a:ext uri="{909E8E84-426E-40DD-AFC4-6F175D3DCCD1}">
+              <a14:hiddenFill xmlns:a14="http://schemas.microsoft.com/office/drawing/2010/main">
+                <a:solidFill>
+                  <a:srgbClr val="FFFFFF"/>
+                </a:solidFill>
+              </a14:hiddenFill>
+            </a:ext>
+          </a:extLst>
+        </p:spPr>
+      </p:pic>
+    </p:spTree>
+    <p:extLst>
+      <p:ext uri="{BB962C8B-B14F-4D97-AF65-F5344CB8AC3E}">
+        <p14:creationId xmlns:p14="http://schemas.microsoft.com/office/powerpoint/2010/main" val="2567350731"/>
       </p:ext>
     </p:extLst>
   </p:cSld>

--- a/Apresentação/PacMan 3D.pptx
+++ b/Apresentação/PacMan 3D.pptx
@@ -2,7 +2,7 @@
 <file path=ppt/presentation.xml><?xml version="1.0" encoding="utf-8"?>
 <p:presentation xmlns:a="http://schemas.openxmlformats.org/drawingml/2006/main" xmlns:r="http://schemas.openxmlformats.org/officeDocument/2006/relationships" xmlns:p="http://schemas.openxmlformats.org/presentationml/2006/main" saveSubsetFonts="1">
   <p:sldMasterIdLst>
-    <p:sldMasterId id="2147483672" r:id="rId1"/>
+    <p:sldMasterId id="2147483684" r:id="rId1"/>
   </p:sldMasterIdLst>
   <p:sldIdLst>
     <p:sldId id="256" r:id="rId2"/>
@@ -149,19 +149,30 @@
         </p:nvSpPr>
         <p:spPr>
           <a:xfrm>
-            <a:off x="685800" y="2130425"/>
-            <a:ext cx="7772400" cy="1470025"/>
+            <a:off x="685800" y="1905000"/>
+            <a:ext cx="7543800" cy="2593975"/>
           </a:xfrm>
         </p:spPr>
         <p:txBody>
-          <a:bodyPr/>
-          <a:lstStyle/>
+          <a:bodyPr anchor="b"/>
+          <a:lstStyle>
+            <a:lvl1pPr>
+              <a:defRPr sz="6600">
+                <a:ln>
+                  <a:noFill/>
+                </a:ln>
+                <a:solidFill>
+                  <a:schemeClr val="tx2"/>
+                </a:solidFill>
+              </a:defRPr>
+            </a:lvl1pPr>
+          </a:lstStyle>
           <a:p>
             <a:r>
               <a:rPr lang="en-US" smtClean="0"/>
               <a:t>Click to edit Master title style</a:t>
             </a:r>
-            <a:endParaRPr lang="pt-BR"/>
+            <a:endParaRPr lang="en-US" dirty="0"/>
           </a:p>
         </p:txBody>
       </p:sp>
@@ -177,16 +188,18 @@
         </p:nvSpPr>
         <p:spPr>
           <a:xfrm>
-            <a:off x="1371600" y="3886200"/>
-            <a:ext cx="6400800" cy="1752600"/>
+            <a:off x="685800" y="4572000"/>
+            <a:ext cx="6461760" cy="1066800"/>
           </a:xfrm>
         </p:spPr>
         <p:txBody>
-          <a:bodyPr/>
+          <a:bodyPr anchor="t">
+            <a:normAutofit/>
+          </a:bodyPr>
           <a:lstStyle>
-            <a:lvl1pPr marL="0" indent="0" algn="ctr">
-              <a:buNone/>
-              <a:defRPr>
+            <a:lvl1pPr marL="0" indent="0" algn="l">
+              <a:buNone/>
+              <a:defRPr sz="2000">
                 <a:solidFill>
                   <a:schemeClr val="tx1">
                     <a:tint val="75000"/>
@@ -280,7 +293,7 @@
               <a:rPr lang="en-US" smtClean="0"/>
               <a:t>Click to edit Master subtitle style</a:t>
             </a:r>
-            <a:endParaRPr lang="pt-BR"/>
+            <a:endParaRPr lang="en-US" dirty="0"/>
           </a:p>
         </p:txBody>
       </p:sp>
@@ -301,7 +314,7 @@
           <a:p>
             <a:fld id="{F13459BC-7336-44EA-BCF5-7EA3F70A903B}" type="datetimeFigureOut">
               <a:rPr lang="pt-BR" smtClean="0"/>
-              <a:t>29/08/2012</a:t>
+              <a:t>30/08/2012</a:t>
             </a:fld>
             <a:endParaRPr lang="pt-BR"/>
           </a:p>
@@ -350,11 +363,6 @@
         </p:txBody>
       </p:sp>
     </p:spTree>
-    <p:extLst>
-      <p:ext uri="{BB962C8B-B14F-4D97-AF65-F5344CB8AC3E}">
-        <p14:creationId xmlns:p14="http://schemas.microsoft.com/office/powerpoint/2010/main" val="1795885414"/>
-      </p:ext>
-    </p:extLst>
   </p:cSld>
   <p:clrMapOvr>
     <a:masterClrMapping/>
@@ -398,7 +406,7 @@
               <a:rPr lang="en-US" smtClean="0"/>
               <a:t>Click to edit Master title style</a:t>
             </a:r>
-            <a:endParaRPr lang="pt-BR"/>
+            <a:endParaRPr lang="en-US"/>
           </a:p>
         </p:txBody>
       </p:sp>
@@ -450,7 +458,7 @@
               <a:rPr lang="en-US" smtClean="0"/>
               <a:t>Fifth level</a:t>
             </a:r>
-            <a:endParaRPr lang="pt-BR"/>
+            <a:endParaRPr lang="en-US"/>
           </a:p>
         </p:txBody>
       </p:sp>
@@ -471,7 +479,7 @@
           <a:p>
             <a:fld id="{F13459BC-7336-44EA-BCF5-7EA3F70A903B}" type="datetimeFigureOut">
               <a:rPr lang="pt-BR" smtClean="0"/>
-              <a:t>29/08/2012</a:t>
+              <a:t>30/08/2012</a:t>
             </a:fld>
             <a:endParaRPr lang="pt-BR"/>
           </a:p>
@@ -520,11 +528,6 @@
         </p:txBody>
       </p:sp>
     </p:spTree>
-    <p:extLst>
-      <p:ext uri="{BB962C8B-B14F-4D97-AF65-F5344CB8AC3E}">
-        <p14:creationId xmlns:p14="http://schemas.microsoft.com/office/powerpoint/2010/main" val="1764116028"/>
-      </p:ext>
-    </p:extLst>
   </p:cSld>
   <p:clrMapOvr>
     <a:masterClrMapping/>
@@ -562,18 +565,18 @@
         <p:spPr>
           <a:xfrm>
             <a:off x="6629400" y="274638"/>
-            <a:ext cx="2057400" cy="5851525"/>
+            <a:ext cx="1752600" cy="5851525"/>
           </a:xfrm>
         </p:spPr>
         <p:txBody>
-          <a:bodyPr vert="eaVert"/>
+          <a:bodyPr vert="eaVert" anchor="b" anchorCtr="0"/>
           <a:lstStyle/>
           <a:p>
             <a:r>
               <a:rPr lang="en-US" smtClean="0"/>
               <a:t>Click to edit Master title style</a:t>
             </a:r>
-            <a:endParaRPr lang="pt-BR"/>
+            <a:endParaRPr lang="en-US" dirty="0"/>
           </a:p>
         </p:txBody>
       </p:sp>
@@ -630,7 +633,7 @@
               <a:rPr lang="en-US" smtClean="0"/>
               <a:t>Fifth level</a:t>
             </a:r>
-            <a:endParaRPr lang="pt-BR"/>
+            <a:endParaRPr lang="en-US"/>
           </a:p>
         </p:txBody>
       </p:sp>
@@ -651,7 +654,7 @@
           <a:p>
             <a:fld id="{F13459BC-7336-44EA-BCF5-7EA3F70A903B}" type="datetimeFigureOut">
               <a:rPr lang="pt-BR" smtClean="0"/>
-              <a:t>29/08/2012</a:t>
+              <a:t>30/08/2012</a:t>
             </a:fld>
             <a:endParaRPr lang="pt-BR"/>
           </a:p>
@@ -700,11 +703,6 @@
         </p:txBody>
       </p:sp>
     </p:spTree>
-    <p:extLst>
-      <p:ext uri="{BB962C8B-B14F-4D97-AF65-F5344CB8AC3E}">
-        <p14:creationId xmlns:p14="http://schemas.microsoft.com/office/powerpoint/2010/main" val="2385973195"/>
-      </p:ext>
-    </p:extLst>
   </p:cSld>
   <p:clrMapOvr>
     <a:masterClrMapping/>
@@ -748,7 +746,7 @@
               <a:rPr lang="en-US" smtClean="0"/>
               <a:t>Click to edit Master title style</a:t>
             </a:r>
-            <a:endParaRPr lang="pt-BR"/>
+            <a:endParaRPr lang="en-US"/>
           </a:p>
         </p:txBody>
       </p:sp>
@@ -800,7 +798,7 @@
               <a:rPr lang="en-US" smtClean="0"/>
               <a:t>Fifth level</a:t>
             </a:r>
-            <a:endParaRPr lang="pt-BR"/>
+            <a:endParaRPr lang="en-US"/>
           </a:p>
         </p:txBody>
       </p:sp>
@@ -821,7 +819,7 @@
           <a:p>
             <a:fld id="{F13459BC-7336-44EA-BCF5-7EA3F70A903B}" type="datetimeFigureOut">
               <a:rPr lang="pt-BR" smtClean="0"/>
-              <a:t>29/08/2012</a:t>
+              <a:t>30/08/2012</a:t>
             </a:fld>
             <a:endParaRPr lang="pt-BR"/>
           </a:p>
@@ -870,11 +868,6 @@
         </p:txBody>
       </p:sp>
     </p:spTree>
-    <p:extLst>
-      <p:ext uri="{BB962C8B-B14F-4D97-AF65-F5344CB8AC3E}">
-        <p14:creationId xmlns:p14="http://schemas.microsoft.com/office/powerpoint/2010/main" val="157421588"/>
-      </p:ext>
-    </p:extLst>
   </p:cSld>
   <p:clrMapOvr>
     <a:masterClrMapping/>
@@ -911,15 +904,15 @@
         </p:nvSpPr>
         <p:spPr>
           <a:xfrm>
-            <a:off x="722313" y="4406900"/>
-            <a:ext cx="7772400" cy="1362075"/>
+            <a:off x="722313" y="5486400"/>
+            <a:ext cx="7659687" cy="1168400"/>
           </a:xfrm>
         </p:spPr>
         <p:txBody>
           <a:bodyPr anchor="t"/>
           <a:lstStyle>
             <a:lvl1pPr algn="l">
-              <a:defRPr sz="4000" b="1" cap="all"/>
+              <a:defRPr sz="3600" b="0" cap="all"/>
             </a:lvl1pPr>
           </a:lstStyle>
           <a:p>
@@ -927,7 +920,7 @@
               <a:rPr lang="en-US" smtClean="0"/>
               <a:t>Click to edit Master title style</a:t>
             </a:r>
-            <a:endParaRPr lang="pt-BR"/>
+            <a:endParaRPr lang="en-US" dirty="0"/>
           </a:p>
         </p:txBody>
       </p:sp>
@@ -943,8 +936,8 @@
         </p:nvSpPr>
         <p:spPr>
           <a:xfrm>
-            <a:off x="722313" y="2906713"/>
-            <a:ext cx="7772400" cy="1500187"/>
+            <a:off x="722313" y="3852863"/>
+            <a:ext cx="6135687" cy="1633538"/>
           </a:xfrm>
         </p:spPr>
         <p:txBody>
@@ -1067,7 +1060,7 @@
           <a:p>
             <a:fld id="{F13459BC-7336-44EA-BCF5-7EA3F70A903B}" type="datetimeFigureOut">
               <a:rPr lang="pt-BR" smtClean="0"/>
-              <a:t>29/08/2012</a:t>
+              <a:t>30/08/2012</a:t>
             </a:fld>
             <a:endParaRPr lang="pt-BR"/>
           </a:p>
@@ -1116,11 +1109,6 @@
         </p:txBody>
       </p:sp>
     </p:spTree>
-    <p:extLst>
-      <p:ext uri="{BB962C8B-B14F-4D97-AF65-F5344CB8AC3E}">
-        <p14:creationId xmlns:p14="http://schemas.microsoft.com/office/powerpoint/2010/main" val="3453488773"/>
-      </p:ext>
-    </p:extLst>
   </p:cSld>
   <p:clrMapOvr>
     <a:masterClrMapping/>
@@ -1164,7 +1152,7 @@
               <a:rPr lang="en-US" smtClean="0"/>
               <a:t>Click to edit Master title style</a:t>
             </a:r>
-            <a:endParaRPr lang="pt-BR"/>
+            <a:endParaRPr lang="en-US"/>
           </a:p>
         </p:txBody>
       </p:sp>
@@ -1180,8 +1168,8 @@
         </p:nvSpPr>
         <p:spPr>
           <a:xfrm>
-            <a:off x="457200" y="1600200"/>
-            <a:ext cx="4038600" cy="4525963"/>
+            <a:off x="457200" y="1536192"/>
+            <a:ext cx="3657600" cy="4590288"/>
           </a:xfrm>
         </p:spPr>
         <p:txBody>
@@ -1249,7 +1237,7 @@
               <a:rPr lang="en-US" smtClean="0"/>
               <a:t>Fifth level</a:t>
             </a:r>
-            <a:endParaRPr lang="pt-BR"/>
+            <a:endParaRPr lang="en-US" dirty="0"/>
           </a:p>
         </p:txBody>
       </p:sp>
@@ -1265,8 +1253,8 @@
         </p:nvSpPr>
         <p:spPr>
           <a:xfrm>
-            <a:off x="4648200" y="1600200"/>
-            <a:ext cx="4038600" cy="4525963"/>
+            <a:off x="4419600" y="1536192"/>
+            <a:ext cx="3657600" cy="4590288"/>
           </a:xfrm>
         </p:spPr>
         <p:txBody>
@@ -1334,7 +1322,7 @@
               <a:rPr lang="en-US" smtClean="0"/>
               <a:t>Fifth level</a:t>
             </a:r>
-            <a:endParaRPr lang="pt-BR"/>
+            <a:endParaRPr lang="en-US" dirty="0"/>
           </a:p>
         </p:txBody>
       </p:sp>
@@ -1355,7 +1343,7 @@
           <a:p>
             <a:fld id="{F13459BC-7336-44EA-BCF5-7EA3F70A903B}" type="datetimeFigureOut">
               <a:rPr lang="pt-BR" smtClean="0"/>
-              <a:t>29/08/2012</a:t>
+              <a:t>30/08/2012</a:t>
             </a:fld>
             <a:endParaRPr lang="pt-BR"/>
           </a:p>
@@ -1404,11 +1392,6 @@
         </p:txBody>
       </p:sp>
     </p:spTree>
-    <p:extLst>
-      <p:ext uri="{BB962C8B-B14F-4D97-AF65-F5344CB8AC3E}">
-        <p14:creationId xmlns:p14="http://schemas.microsoft.com/office/powerpoint/2010/main" val="1921797747"/>
-      </p:ext>
-    </p:extLst>
   </p:cSld>
   <p:clrMapOvr>
     <a:masterClrMapping/>
@@ -1456,7 +1439,7 @@
               <a:rPr lang="en-US" smtClean="0"/>
               <a:t>Click to edit Master title style</a:t>
             </a:r>
-            <a:endParaRPr lang="pt-BR"/>
+            <a:endParaRPr lang="en-US"/>
           </a:p>
         </p:txBody>
       </p:sp>
@@ -1473,15 +1456,21 @@
         <p:spPr>
           <a:xfrm>
             <a:off x="457200" y="1535113"/>
-            <a:ext cx="4040188" cy="639762"/>
+            <a:ext cx="3657600" cy="639762"/>
           </a:xfrm>
         </p:spPr>
         <p:txBody>
-          <a:bodyPr anchor="b"/>
+          <a:bodyPr anchor="b">
+            <a:noAutofit/>
+          </a:bodyPr>
           <a:lstStyle>
-            <a:lvl1pPr marL="0" indent="0">
-              <a:buNone/>
-              <a:defRPr sz="2400" b="1"/>
+            <a:lvl1pPr marL="0" indent="0" algn="ctr">
+              <a:buNone/>
+              <a:defRPr sz="2000" b="1">
+                <a:solidFill>
+                  <a:schemeClr val="tx2"/>
+                </a:solidFill>
+              </a:defRPr>
             </a:lvl1pPr>
             <a:lvl2pPr marL="457200" indent="0">
               <a:buNone/>
@@ -1538,7 +1527,7 @@
         <p:spPr>
           <a:xfrm>
             <a:off x="457200" y="2174875"/>
-            <a:ext cx="4040188" cy="3951288"/>
+            <a:ext cx="3657600" cy="3951288"/>
           </a:xfrm>
         </p:spPr>
         <p:txBody>
@@ -1606,7 +1595,7 @@
               <a:rPr lang="en-US" smtClean="0"/>
               <a:t>Fifth level</a:t>
             </a:r>
-            <a:endParaRPr lang="pt-BR"/>
+            <a:endParaRPr lang="en-US" dirty="0"/>
           </a:p>
         </p:txBody>
       </p:sp>
@@ -1622,16 +1611,22 @@
         </p:nvSpPr>
         <p:spPr>
           <a:xfrm>
-            <a:off x="4645025" y="1535113"/>
-            <a:ext cx="4041775" cy="639762"/>
+            <a:off x="4419600" y="1535113"/>
+            <a:ext cx="3657600" cy="639762"/>
           </a:xfrm>
         </p:spPr>
         <p:txBody>
-          <a:bodyPr anchor="b"/>
+          <a:bodyPr anchor="b">
+            <a:noAutofit/>
+          </a:bodyPr>
           <a:lstStyle>
-            <a:lvl1pPr marL="0" indent="0">
-              <a:buNone/>
-              <a:defRPr sz="2400" b="1"/>
+            <a:lvl1pPr marL="0" indent="0" algn="ctr">
+              <a:buNone/>
+              <a:defRPr sz="2000" b="1">
+                <a:solidFill>
+                  <a:schemeClr val="tx2"/>
+                </a:solidFill>
+              </a:defRPr>
             </a:lvl1pPr>
             <a:lvl2pPr marL="457200" indent="0">
               <a:buNone/>
@@ -1687,8 +1682,8 @@
         </p:nvSpPr>
         <p:spPr>
           <a:xfrm>
-            <a:off x="4645025" y="2174875"/>
-            <a:ext cx="4041775" cy="3951288"/>
+            <a:off x="4419600" y="2174875"/>
+            <a:ext cx="3657600" cy="3951288"/>
           </a:xfrm>
         </p:spPr>
         <p:txBody>
@@ -1756,7 +1751,7 @@
               <a:rPr lang="en-US" smtClean="0"/>
               <a:t>Fifth level</a:t>
             </a:r>
-            <a:endParaRPr lang="pt-BR"/>
+            <a:endParaRPr lang="en-US"/>
           </a:p>
         </p:txBody>
       </p:sp>
@@ -1777,7 +1772,7 @@
           <a:p>
             <a:fld id="{F13459BC-7336-44EA-BCF5-7EA3F70A903B}" type="datetimeFigureOut">
               <a:rPr lang="pt-BR" smtClean="0"/>
-              <a:t>29/08/2012</a:t>
+              <a:t>30/08/2012</a:t>
             </a:fld>
             <a:endParaRPr lang="pt-BR"/>
           </a:p>
@@ -1826,11 +1821,6 @@
         </p:txBody>
       </p:sp>
     </p:spTree>
-    <p:extLst>
-      <p:ext uri="{BB962C8B-B14F-4D97-AF65-F5344CB8AC3E}">
-        <p14:creationId xmlns:p14="http://schemas.microsoft.com/office/powerpoint/2010/main" val="9186533"/>
-      </p:ext>
-    </p:extLst>
   </p:cSld>
   <p:clrMapOvr>
     <a:masterClrMapping/>
@@ -1874,7 +1864,7 @@
               <a:rPr lang="en-US" smtClean="0"/>
               <a:t>Click to edit Master title style</a:t>
             </a:r>
-            <a:endParaRPr lang="pt-BR"/>
+            <a:endParaRPr lang="en-US"/>
           </a:p>
         </p:txBody>
       </p:sp>
@@ -1895,7 +1885,7 @@
           <a:p>
             <a:fld id="{F13459BC-7336-44EA-BCF5-7EA3F70A903B}" type="datetimeFigureOut">
               <a:rPr lang="pt-BR" smtClean="0"/>
-              <a:t>29/08/2012</a:t>
+              <a:t>30/08/2012</a:t>
             </a:fld>
             <a:endParaRPr lang="pt-BR"/>
           </a:p>
@@ -1944,11 +1934,6 @@
         </p:txBody>
       </p:sp>
     </p:spTree>
-    <p:extLst>
-      <p:ext uri="{BB962C8B-B14F-4D97-AF65-F5344CB8AC3E}">
-        <p14:creationId xmlns:p14="http://schemas.microsoft.com/office/powerpoint/2010/main" val="3971720013"/>
-      </p:ext>
-    </p:extLst>
   </p:cSld>
   <p:clrMapOvr>
     <a:masterClrMapping/>
@@ -1990,7 +1975,7 @@
           <a:p>
             <a:fld id="{F13459BC-7336-44EA-BCF5-7EA3F70A903B}" type="datetimeFigureOut">
               <a:rPr lang="pt-BR" smtClean="0"/>
-              <a:t>29/08/2012</a:t>
+              <a:t>30/08/2012</a:t>
             </a:fld>
             <a:endParaRPr lang="pt-BR"/>
           </a:p>
@@ -2039,11 +2024,6 @@
         </p:txBody>
       </p:sp>
     </p:spTree>
-    <p:extLst>
-      <p:ext uri="{BB962C8B-B14F-4D97-AF65-F5344CB8AC3E}">
-        <p14:creationId xmlns:p14="http://schemas.microsoft.com/office/powerpoint/2010/main" val="2778268526"/>
-      </p:ext>
-    </p:extLst>
   </p:cSld>
   <p:clrMapOvr>
     <a:masterClrMapping/>
@@ -2080,15 +2060,15 @@
         </p:nvSpPr>
         <p:spPr>
           <a:xfrm>
-            <a:off x="457200" y="273050"/>
-            <a:ext cx="3008313" cy="1162050"/>
+            <a:off x="304801" y="5495544"/>
+            <a:ext cx="7772400" cy="594360"/>
           </a:xfrm>
         </p:spPr>
         <p:txBody>
           <a:bodyPr anchor="b"/>
           <a:lstStyle>
-            <a:lvl1pPr algn="l">
-              <a:defRPr sz="2000" b="1"/>
+            <a:lvl1pPr algn="ctr">
+              <a:defRPr sz="2200" b="1"/>
             </a:lvl1pPr>
           </a:lstStyle>
           <a:p>
@@ -2096,117 +2076,34 @@
               <a:rPr lang="en-US" smtClean="0"/>
               <a:t>Click to edit Master title style</a:t>
             </a:r>
-            <a:endParaRPr lang="pt-BR"/>
-          </a:p>
-        </p:txBody>
-      </p:sp>
-      <p:sp>
-        <p:nvSpPr>
-          <p:cNvPr id="3" name="Content Placeholder 2"/>
-          <p:cNvSpPr>
-            <a:spLocks noGrp="1"/>
-          </p:cNvSpPr>
-          <p:nvPr>
-            <p:ph idx="1"/>
+            <a:endParaRPr lang="en-US" dirty="0"/>
+          </a:p>
+        </p:txBody>
+      </p:sp>
+      <p:sp>
+        <p:nvSpPr>
+          <p:cNvPr id="4" name="Text Placeholder 3"/>
+          <p:cNvSpPr>
+            <a:spLocks noGrp="1"/>
+          </p:cNvSpPr>
+          <p:nvPr>
+            <p:ph type="body" sz="half" idx="2"/>
           </p:nvPr>
         </p:nvSpPr>
         <p:spPr>
           <a:xfrm>
-            <a:off x="3575050" y="273050"/>
-            <a:ext cx="5111750" cy="5853113"/>
+            <a:off x="304799" y="6096000"/>
+            <a:ext cx="7772401" cy="609600"/>
           </a:xfrm>
         </p:spPr>
         <p:txBody>
-          <a:bodyPr/>
+          <a:bodyPr>
+            <a:normAutofit/>
+          </a:bodyPr>
           <a:lstStyle>
-            <a:lvl1pPr>
-              <a:defRPr sz="3200"/>
-            </a:lvl1pPr>
-            <a:lvl2pPr>
-              <a:defRPr sz="2800"/>
-            </a:lvl2pPr>
-            <a:lvl3pPr>
-              <a:defRPr sz="2400"/>
-            </a:lvl3pPr>
-            <a:lvl4pPr>
-              <a:defRPr sz="2000"/>
-            </a:lvl4pPr>
-            <a:lvl5pPr>
-              <a:defRPr sz="2000"/>
-            </a:lvl5pPr>
-            <a:lvl6pPr>
-              <a:defRPr sz="2000"/>
-            </a:lvl6pPr>
-            <a:lvl7pPr>
-              <a:defRPr sz="2000"/>
-            </a:lvl7pPr>
-            <a:lvl8pPr>
-              <a:defRPr sz="2000"/>
-            </a:lvl8pPr>
-            <a:lvl9pPr>
-              <a:defRPr sz="2000"/>
-            </a:lvl9pPr>
-          </a:lstStyle>
-          <a:p>
-            <a:pPr lvl="0"/>
-            <a:r>
-              <a:rPr lang="en-US" smtClean="0"/>
-              <a:t>Click to edit Master text styles</a:t>
-            </a:r>
-          </a:p>
-          <a:p>
-            <a:pPr lvl="1"/>
-            <a:r>
-              <a:rPr lang="en-US" smtClean="0"/>
-              <a:t>Second level</a:t>
-            </a:r>
-          </a:p>
-          <a:p>
-            <a:pPr lvl="2"/>
-            <a:r>
-              <a:rPr lang="en-US" smtClean="0"/>
-              <a:t>Third level</a:t>
-            </a:r>
-          </a:p>
-          <a:p>
-            <a:pPr lvl="3"/>
-            <a:r>
-              <a:rPr lang="en-US" smtClean="0"/>
-              <a:t>Fourth level</a:t>
-            </a:r>
-          </a:p>
-          <a:p>
-            <a:pPr lvl="4"/>
-            <a:r>
-              <a:rPr lang="en-US" smtClean="0"/>
-              <a:t>Fifth level</a:t>
-            </a:r>
-            <a:endParaRPr lang="pt-BR"/>
-          </a:p>
-        </p:txBody>
-      </p:sp>
-      <p:sp>
-        <p:nvSpPr>
-          <p:cNvPr id="4" name="Text Placeholder 3"/>
-          <p:cNvSpPr>
-            <a:spLocks noGrp="1"/>
-          </p:cNvSpPr>
-          <p:nvPr>
-            <p:ph type="body" sz="half" idx="2"/>
-          </p:nvPr>
-        </p:nvSpPr>
-        <p:spPr>
-          <a:xfrm>
-            <a:off x="457200" y="1435100"/>
-            <a:ext cx="3008313" cy="4691063"/>
-          </a:xfrm>
-        </p:spPr>
-        <p:txBody>
-          <a:bodyPr/>
-          <a:lstStyle>
-            <a:lvl1pPr marL="0" indent="0">
-              <a:buNone/>
-              <a:defRPr sz="1400"/>
+            <a:lvl1pPr marL="0" indent="0" algn="ctr">
+              <a:buNone/>
+              <a:defRPr sz="1600"/>
             </a:lvl1pPr>
             <a:lvl2pPr marL="457200" indent="0">
               <a:buNone/>
@@ -2267,7 +2164,7 @@
           <a:p>
             <a:fld id="{F13459BC-7336-44EA-BCF5-7EA3F70A903B}" type="datetimeFigureOut">
               <a:rPr lang="pt-BR" smtClean="0"/>
-              <a:t>29/08/2012</a:t>
+              <a:t>30/08/2012</a:t>
             </a:fld>
             <a:endParaRPr lang="pt-BR"/>
           </a:p>
@@ -2315,12 +2212,64 @@
           </a:p>
         </p:txBody>
       </p:sp>
+      <p:sp>
+        <p:nvSpPr>
+          <p:cNvPr id="9" name="Content Placeholder 8"/>
+          <p:cNvSpPr>
+            <a:spLocks noGrp="1"/>
+          </p:cNvSpPr>
+          <p:nvPr>
+            <p:ph sz="quarter" idx="13"/>
+          </p:nvPr>
+        </p:nvSpPr>
+        <p:spPr>
+          <a:xfrm>
+            <a:off x="304800" y="381000"/>
+            <a:ext cx="7772400" cy="4942840"/>
+          </a:xfrm>
+        </p:spPr>
+        <p:txBody>
+          <a:bodyPr/>
+          <a:lstStyle/>
+          <a:p>
+            <a:pPr lvl="0"/>
+            <a:r>
+              <a:rPr lang="en-US" smtClean="0"/>
+              <a:t>Click to edit Master text styles</a:t>
+            </a:r>
+          </a:p>
+          <a:p>
+            <a:pPr lvl="1"/>
+            <a:r>
+              <a:rPr lang="en-US" smtClean="0"/>
+              <a:t>Second level</a:t>
+            </a:r>
+          </a:p>
+          <a:p>
+            <a:pPr lvl="2"/>
+            <a:r>
+              <a:rPr lang="en-US" smtClean="0"/>
+              <a:t>Third level</a:t>
+            </a:r>
+          </a:p>
+          <a:p>
+            <a:pPr lvl="3"/>
+            <a:r>
+              <a:rPr lang="en-US" smtClean="0"/>
+              <a:t>Fourth level</a:t>
+            </a:r>
+          </a:p>
+          <a:p>
+            <a:pPr lvl="4"/>
+            <a:r>
+              <a:rPr lang="en-US" smtClean="0"/>
+              <a:t>Fifth level</a:t>
+            </a:r>
+            <a:endParaRPr lang="en-US"/>
+          </a:p>
+        </p:txBody>
+      </p:sp>
     </p:spTree>
-    <p:extLst>
-      <p:ext uri="{BB962C8B-B14F-4D97-AF65-F5344CB8AC3E}">
-        <p14:creationId xmlns:p14="http://schemas.microsoft.com/office/powerpoint/2010/main" val="3267247112"/>
-      </p:ext>
-    </p:extLst>
   </p:cSld>
   <p:clrMapOvr>
     <a:masterClrMapping/>
@@ -2357,15 +2306,22 @@
         </p:nvSpPr>
         <p:spPr>
           <a:xfrm>
-            <a:off x="1792288" y="4800600"/>
-            <a:ext cx="5486400" cy="566738"/>
+            <a:off x="301752" y="5495278"/>
+            <a:ext cx="7772400" cy="594626"/>
           </a:xfrm>
         </p:spPr>
         <p:txBody>
           <a:bodyPr anchor="b"/>
           <a:lstStyle>
-            <a:lvl1pPr algn="l">
-              <a:defRPr sz="2000" b="1"/>
+            <a:lvl1pPr algn="ctr">
+              <a:defRPr sz="2200" b="1">
+                <a:ln>
+                  <a:noFill/>
+                </a:ln>
+                <a:solidFill>
+                  <a:schemeClr val="tx2"/>
+                </a:solidFill>
+              </a:defRPr>
             </a:lvl1pPr>
           </a:lstStyle>
           <a:p>
@@ -2373,7 +2329,7 @@
               <a:rPr lang="en-US" smtClean="0"/>
               <a:t>Click to edit Master title style</a:t>
             </a:r>
-            <a:endParaRPr lang="pt-BR"/>
+            <a:endParaRPr lang="en-US" dirty="0"/>
           </a:p>
         </p:txBody>
       </p:sp>
@@ -2389,8 +2345,8 @@
         </p:nvSpPr>
         <p:spPr>
           <a:xfrm>
-            <a:off x="1792288" y="612775"/>
-            <a:ext cx="5486400" cy="4114800"/>
+            <a:off x="0" y="0"/>
+            <a:ext cx="8458200" cy="5486400"/>
           </a:xfrm>
         </p:spPr>
         <p:txBody>
@@ -2434,7 +2390,11 @@
             </a:lvl9pPr>
           </a:lstStyle>
           <a:p>
-            <a:endParaRPr lang="pt-BR"/>
+            <a:r>
+              <a:rPr lang="en-US" smtClean="0"/>
+              <a:t>Click icon to add picture</a:t>
+            </a:r>
+            <a:endParaRPr lang="en-US" dirty="0"/>
           </a:p>
         </p:txBody>
       </p:sp>
@@ -2450,16 +2410,18 @@
         </p:nvSpPr>
         <p:spPr>
           <a:xfrm>
-            <a:off x="1792288" y="5367338"/>
-            <a:ext cx="5486400" cy="804862"/>
+            <a:off x="301752" y="6096000"/>
+            <a:ext cx="7772400" cy="612648"/>
           </a:xfrm>
         </p:spPr>
         <p:txBody>
-          <a:bodyPr/>
+          <a:bodyPr>
+            <a:normAutofit/>
+          </a:bodyPr>
           <a:lstStyle>
-            <a:lvl1pPr marL="0" indent="0">
-              <a:buNone/>
-              <a:defRPr sz="1400"/>
+            <a:lvl1pPr marL="0" indent="0" algn="ctr">
+              <a:buNone/>
+              <a:defRPr sz="1600"/>
             </a:lvl1pPr>
             <a:lvl2pPr marL="457200" indent="0">
               <a:buNone/>
@@ -2505,7 +2467,7 @@
       </p:sp>
       <p:sp>
         <p:nvSpPr>
-          <p:cNvPr id="5" name="Date Placeholder 4"/>
+          <p:cNvPr id="8" name="Date Placeholder 7"/>
           <p:cNvSpPr>
             <a:spLocks noGrp="1"/>
           </p:cNvSpPr>
@@ -2520,7 +2482,7 @@
           <a:p>
             <a:fld id="{F13459BC-7336-44EA-BCF5-7EA3F70A903B}" type="datetimeFigureOut">
               <a:rPr lang="pt-BR" smtClean="0"/>
-              <a:t>29/08/2012</a:t>
+              <a:t>30/08/2012</a:t>
             </a:fld>
             <a:endParaRPr lang="pt-BR"/>
           </a:p>
@@ -2528,31 +2490,12 @@
       </p:sp>
       <p:sp>
         <p:nvSpPr>
-          <p:cNvPr id="6" name="Footer Placeholder 5"/>
-          <p:cNvSpPr>
-            <a:spLocks noGrp="1"/>
-          </p:cNvSpPr>
-          <p:nvPr>
-            <p:ph type="ftr" sz="quarter" idx="11"/>
-          </p:nvPr>
-        </p:nvSpPr>
-        <p:spPr/>
-        <p:txBody>
-          <a:bodyPr/>
-          <a:lstStyle/>
-          <a:p>
-            <a:endParaRPr lang="pt-BR"/>
-          </a:p>
-        </p:txBody>
-      </p:sp>
-      <p:sp>
-        <p:nvSpPr>
-          <p:cNvPr id="7" name="Slide Number Placeholder 6"/>
-          <p:cNvSpPr>
-            <a:spLocks noGrp="1"/>
-          </p:cNvSpPr>
-          <p:nvPr>
-            <p:ph type="sldNum" sz="quarter" idx="12"/>
+          <p:cNvPr id="9" name="Slide Number Placeholder 8"/>
+          <p:cNvSpPr>
+            <a:spLocks noGrp="1"/>
+          </p:cNvSpPr>
+          <p:nvPr>
+            <p:ph type="sldNum" sz="quarter" idx="11"/>
           </p:nvPr>
         </p:nvSpPr>
         <p:spPr/>
@@ -2568,12 +2511,26 @@
           </a:p>
         </p:txBody>
       </p:sp>
+      <p:sp>
+        <p:nvSpPr>
+          <p:cNvPr id="10" name="Footer Placeholder 9"/>
+          <p:cNvSpPr>
+            <a:spLocks noGrp="1"/>
+          </p:cNvSpPr>
+          <p:nvPr>
+            <p:ph type="ftr" sz="quarter" idx="12"/>
+          </p:nvPr>
+        </p:nvSpPr>
+        <p:spPr/>
+        <p:txBody>
+          <a:bodyPr/>
+          <a:lstStyle/>
+          <a:p>
+            <a:endParaRPr lang="pt-BR"/>
+          </a:p>
+        </p:txBody>
+      </p:sp>
     </p:spTree>
-    <p:extLst>
-      <p:ext uri="{BB962C8B-B14F-4D97-AF65-F5344CB8AC3E}">
-        <p14:creationId xmlns:p14="http://schemas.microsoft.com/office/powerpoint/2010/main" val="4284033548"/>
-      </p:ext>
-    </p:extLst>
   </p:cSld>
   <p:clrMapOvr>
     <a:masterClrMapping/>
@@ -2585,7 +2542,7 @@
 <p:sldMaster xmlns:a="http://schemas.openxmlformats.org/drawingml/2006/main" xmlns:r="http://schemas.openxmlformats.org/officeDocument/2006/relationships" xmlns:p="http://schemas.openxmlformats.org/presentationml/2006/main">
   <p:cSld>
     <p:bg>
-      <p:bgRef idx="1001">
+      <p:bgRef idx="1002">
         <a:schemeClr val="bg1"/>
       </p:bgRef>
     </p:bg>
@@ -2616,7 +2573,7 @@
         <p:spPr>
           <a:xfrm>
             <a:off x="457200" y="274638"/>
-            <a:ext cx="8229600" cy="1143000"/>
+            <a:ext cx="7620000" cy="1143000"/>
           </a:xfrm>
           <a:prstGeom prst="rect">
             <a:avLst/>
@@ -2624,7 +2581,7 @@
         </p:spPr>
         <p:txBody>
           <a:bodyPr vert="horz" lIns="91440" tIns="45720" rIns="91440" bIns="45720" rtlCol="0" anchor="ctr">
-            <a:normAutofit/>
+            <a:noAutofit/>
           </a:bodyPr>
           <a:lstStyle/>
           <a:p>
@@ -2632,7 +2589,7 @@
               <a:rPr lang="en-US" smtClean="0"/>
               <a:t>Click to edit Master title style</a:t>
             </a:r>
-            <a:endParaRPr lang="pt-BR"/>
+            <a:endParaRPr lang="en-US" dirty="0"/>
           </a:p>
         </p:txBody>
       </p:sp>
@@ -2649,7 +2606,7 @@
         <p:spPr>
           <a:xfrm>
             <a:off x="457200" y="1600200"/>
-            <a:ext cx="8229600" cy="4525963"/>
+            <a:ext cx="7620000" cy="4800600"/>
           </a:xfrm>
           <a:prstGeom prst="rect">
             <a:avLst/>
@@ -2694,24 +2651,162 @@
               <a:rPr lang="en-US" smtClean="0"/>
               <a:t>Fifth level</a:t>
             </a:r>
-            <a:endParaRPr lang="pt-BR"/>
-          </a:p>
-        </p:txBody>
-      </p:sp>
-      <p:sp>
-        <p:nvSpPr>
-          <p:cNvPr id="4" name="Date Placeholder 3"/>
-          <p:cNvSpPr>
-            <a:spLocks noGrp="1"/>
-          </p:cNvSpPr>
-          <p:nvPr>
-            <p:ph type="dt" sz="half" idx="2"/>
-          </p:nvPr>
+            <a:endParaRPr lang="en-US" dirty="0"/>
+          </a:p>
+        </p:txBody>
+      </p:sp>
+      <p:sp>
+        <p:nvSpPr>
+          <p:cNvPr id="7" name="Rectangle 6"/>
+          <p:cNvSpPr/>
+          <p:nvPr/>
         </p:nvSpPr>
         <p:spPr>
           <a:xfrm>
-            <a:off x="457200" y="6356350"/>
-            <a:ext cx="2133600" cy="365125"/>
+            <a:off x="8458200" y="0"/>
+            <a:ext cx="685800" cy="6858000"/>
+          </a:xfrm>
+          <a:prstGeom prst="rect">
+            <a:avLst/>
+          </a:prstGeom>
+          <a:solidFill>
+            <a:schemeClr val="tx2"/>
+          </a:solidFill>
+          <a:ln>
+            <a:noFill/>
+          </a:ln>
+        </p:spPr>
+        <p:style>
+          <a:lnRef idx="2">
+            <a:schemeClr val="accent1">
+              <a:shade val="50000"/>
+            </a:schemeClr>
+          </a:lnRef>
+          <a:fillRef idx="1">
+            <a:schemeClr val="accent1"/>
+          </a:fillRef>
+          <a:effectRef idx="0">
+            <a:schemeClr val="accent1"/>
+          </a:effectRef>
+          <a:fontRef idx="minor">
+            <a:schemeClr val="lt1"/>
+          </a:fontRef>
+        </p:style>
+        <p:txBody>
+          <a:bodyPr rtlCol="0" anchor="ctr"/>
+          <a:lstStyle/>
+          <a:p>
+            <a:pPr algn="ctr"/>
+            <a:endParaRPr lang="en-US"/>
+          </a:p>
+        </p:txBody>
+      </p:sp>
+      <p:sp>
+        <p:nvSpPr>
+          <p:cNvPr id="8" name="Rectangle 7"/>
+          <p:cNvSpPr/>
+          <p:nvPr/>
+        </p:nvSpPr>
+        <p:spPr>
+          <a:xfrm>
+            <a:off x="8458200" y="5486400"/>
+            <a:ext cx="685800" cy="685800"/>
+          </a:xfrm>
+          <a:prstGeom prst="rect">
+            <a:avLst/>
+          </a:prstGeom>
+          <a:solidFill>
+            <a:schemeClr val="accent1"/>
+          </a:solidFill>
+          <a:ln>
+            <a:noFill/>
+          </a:ln>
+        </p:spPr>
+        <p:style>
+          <a:lnRef idx="2">
+            <a:schemeClr val="accent1">
+              <a:shade val="50000"/>
+            </a:schemeClr>
+          </a:lnRef>
+          <a:fillRef idx="1">
+            <a:schemeClr val="accent1"/>
+          </a:fillRef>
+          <a:effectRef idx="0">
+            <a:schemeClr val="accent1"/>
+          </a:effectRef>
+          <a:fontRef idx="minor">
+            <a:schemeClr val="lt1"/>
+          </a:fontRef>
+        </p:style>
+        <p:txBody>
+          <a:bodyPr rtlCol="0" anchor="ctr"/>
+          <a:lstStyle/>
+          <a:p>
+            <a:pPr algn="ctr"/>
+            <a:endParaRPr lang="en-US"/>
+          </a:p>
+        </p:txBody>
+      </p:sp>
+      <p:sp>
+        <p:nvSpPr>
+          <p:cNvPr id="6" name="Slide Number Placeholder 5"/>
+          <p:cNvSpPr>
+            <a:spLocks noGrp="1"/>
+          </p:cNvSpPr>
+          <p:nvPr>
+            <p:ph type="sldNum" sz="quarter" idx="4"/>
+          </p:nvPr>
+        </p:nvSpPr>
+        <p:spPr>
+          <a:xfrm>
+            <a:off x="8531788" y="5648960"/>
+            <a:ext cx="548640" cy="396240"/>
+          </a:xfrm>
+          <a:prstGeom prst="bracketPair">
+            <a:avLst>
+              <a:gd name="adj" fmla="val 17949"/>
+            </a:avLst>
+          </a:prstGeom>
+          <a:ln w="19050">
+            <a:solidFill>
+              <a:srgbClr val="FFFFFF"/>
+            </a:solidFill>
+          </a:ln>
+        </p:spPr>
+        <p:txBody>
+          <a:bodyPr vert="horz" lIns="0" tIns="0" rIns="0" bIns="0" rtlCol="0" anchor="ctr"/>
+          <a:lstStyle>
+            <a:lvl1pPr algn="ctr">
+              <a:defRPr sz="1800">
+                <a:solidFill>
+                  <a:srgbClr val="FFFFFF"/>
+                </a:solidFill>
+              </a:defRPr>
+            </a:lvl1pPr>
+          </a:lstStyle>
+          <a:p>
+            <a:fld id="{D86495C0-D78A-4557-96F8-1F18C2925EE6}" type="slidenum">
+              <a:rPr lang="pt-BR" smtClean="0"/>
+              <a:t>‹#›</a:t>
+            </a:fld>
+            <a:endParaRPr lang="pt-BR"/>
+          </a:p>
+        </p:txBody>
+      </p:sp>
+      <p:sp>
+        <p:nvSpPr>
+          <p:cNvPr id="5" name="Footer Placeholder 4"/>
+          <p:cNvSpPr>
+            <a:spLocks noGrp="1"/>
+          </p:cNvSpPr>
+          <p:nvPr>
+            <p:ph type="ftr" sz="quarter" idx="3"/>
+          </p:nvPr>
+        </p:nvSpPr>
+        <p:spPr>
+          <a:xfrm rot="16200000">
+            <a:off x="7586910" y="4048760"/>
+            <a:ext cx="2367281" cy="365760"/>
           </a:xfrm>
           <a:prstGeom prst="rect">
             <a:avLst/>
@@ -2720,39 +2815,33 @@
         <p:txBody>
           <a:bodyPr vert="horz" lIns="91440" tIns="45720" rIns="91440" bIns="45720" rtlCol="0" anchor="ctr"/>
           <a:lstStyle>
-            <a:lvl1pPr algn="l">
+            <a:lvl1pPr algn="r">
               <a:defRPr sz="1200">
                 <a:solidFill>
-                  <a:schemeClr val="tx1">
-                    <a:tint val="75000"/>
-                  </a:schemeClr>
+                  <a:schemeClr val="bg2"/>
                 </a:solidFill>
               </a:defRPr>
             </a:lvl1pPr>
           </a:lstStyle>
           <a:p>
-            <a:fld id="{F13459BC-7336-44EA-BCF5-7EA3F70A903B}" type="datetimeFigureOut">
-              <a:rPr lang="pt-BR" smtClean="0"/>
-              <a:t>29/08/2012</a:t>
-            </a:fld>
             <a:endParaRPr lang="pt-BR"/>
           </a:p>
         </p:txBody>
       </p:sp>
       <p:sp>
         <p:nvSpPr>
-          <p:cNvPr id="5" name="Footer Placeholder 4"/>
-          <p:cNvSpPr>
-            <a:spLocks noGrp="1"/>
-          </p:cNvSpPr>
-          <p:nvPr>
-            <p:ph type="ftr" sz="quarter" idx="3"/>
+          <p:cNvPr id="4" name="Date Placeholder 3"/>
+          <p:cNvSpPr>
+            <a:spLocks noGrp="1"/>
+          </p:cNvSpPr>
+          <p:nvPr>
+            <p:ph type="dt" sz="half" idx="2"/>
           </p:nvPr>
         </p:nvSpPr>
         <p:spPr>
-          <a:xfrm>
-            <a:off x="3124200" y="6356350"/>
-            <a:ext cx="2895600" cy="365125"/>
+          <a:xfrm rot="16200000">
+            <a:off x="7551351" y="1645920"/>
+            <a:ext cx="2438399" cy="365760"/>
           </a:xfrm>
           <a:prstGeom prst="rect">
             <a:avLst/>
@@ -2761,94 +2850,54 @@
         <p:txBody>
           <a:bodyPr vert="horz" lIns="91440" tIns="45720" rIns="91440" bIns="45720" rtlCol="0" anchor="ctr"/>
           <a:lstStyle>
-            <a:lvl1pPr algn="ctr">
+            <a:lvl1pPr algn="l">
               <a:defRPr sz="1200">
                 <a:solidFill>
-                  <a:schemeClr val="tx1">
-                    <a:tint val="75000"/>
-                  </a:schemeClr>
+                  <a:schemeClr val="bg2"/>
                 </a:solidFill>
               </a:defRPr>
             </a:lvl1pPr>
           </a:lstStyle>
           <a:p>
-            <a:endParaRPr lang="pt-BR"/>
-          </a:p>
-        </p:txBody>
-      </p:sp>
-      <p:sp>
-        <p:nvSpPr>
-          <p:cNvPr id="6" name="Slide Number Placeholder 5"/>
-          <p:cNvSpPr>
-            <a:spLocks noGrp="1"/>
-          </p:cNvSpPr>
-          <p:nvPr>
-            <p:ph type="sldNum" sz="quarter" idx="4"/>
-          </p:nvPr>
-        </p:nvSpPr>
-        <p:spPr>
-          <a:xfrm>
-            <a:off x="6553200" y="6356350"/>
-            <a:ext cx="2133600" cy="365125"/>
-          </a:xfrm>
-          <a:prstGeom prst="rect">
-            <a:avLst/>
-          </a:prstGeom>
-        </p:spPr>
-        <p:txBody>
-          <a:bodyPr vert="horz" lIns="91440" tIns="45720" rIns="91440" bIns="45720" rtlCol="0" anchor="ctr"/>
-          <a:lstStyle>
-            <a:lvl1pPr algn="r">
-              <a:defRPr sz="1200">
-                <a:solidFill>
-                  <a:schemeClr val="tx1">
-                    <a:tint val="75000"/>
-                  </a:schemeClr>
-                </a:solidFill>
-              </a:defRPr>
-            </a:lvl1pPr>
-          </a:lstStyle>
-          <a:p>
-            <a:fld id="{D86495C0-D78A-4557-96F8-1F18C2925EE6}" type="slidenum">
+            <a:fld id="{F13459BC-7336-44EA-BCF5-7EA3F70A903B}" type="datetimeFigureOut">
               <a:rPr lang="pt-BR" smtClean="0"/>
-              <a:t>‹#›</a:t>
+              <a:t>30/08/2012</a:t>
             </a:fld>
             <a:endParaRPr lang="pt-BR"/>
           </a:p>
         </p:txBody>
       </p:sp>
     </p:spTree>
-    <p:extLst>
-      <p:ext uri="{BB962C8B-B14F-4D97-AF65-F5344CB8AC3E}">
-        <p14:creationId xmlns:p14="http://schemas.microsoft.com/office/powerpoint/2010/main" val="2521778049"/>
-      </p:ext>
-    </p:extLst>
   </p:cSld>
   <p:clrMap bg1="lt1" tx1="dk1" bg2="lt2" tx2="dk2" accent1="accent1" accent2="accent2" accent3="accent3" accent4="accent4" accent5="accent5" accent6="accent6" hlink="hlink" folHlink="folHlink"/>
   <p:sldLayoutIdLst>
-    <p:sldLayoutId id="2147483673" r:id="rId1"/>
-    <p:sldLayoutId id="2147483674" r:id="rId2"/>
-    <p:sldLayoutId id="2147483675" r:id="rId3"/>
-    <p:sldLayoutId id="2147483676" r:id="rId4"/>
-    <p:sldLayoutId id="2147483677" r:id="rId5"/>
-    <p:sldLayoutId id="2147483678" r:id="rId6"/>
-    <p:sldLayoutId id="2147483679" r:id="rId7"/>
-    <p:sldLayoutId id="2147483680" r:id="rId8"/>
-    <p:sldLayoutId id="2147483681" r:id="rId9"/>
-    <p:sldLayoutId id="2147483682" r:id="rId10"/>
-    <p:sldLayoutId id="2147483683" r:id="rId11"/>
+    <p:sldLayoutId id="2147483685" r:id="rId1"/>
+    <p:sldLayoutId id="2147483686" r:id="rId2"/>
+    <p:sldLayoutId id="2147483687" r:id="rId3"/>
+    <p:sldLayoutId id="2147483688" r:id="rId4"/>
+    <p:sldLayoutId id="2147483689" r:id="rId5"/>
+    <p:sldLayoutId id="2147483690" r:id="rId6"/>
+    <p:sldLayoutId id="2147483691" r:id="rId7"/>
+    <p:sldLayoutId id="2147483692" r:id="rId8"/>
+    <p:sldLayoutId id="2147483693" r:id="rId9"/>
+    <p:sldLayoutId id="2147483694" r:id="rId10"/>
+    <p:sldLayoutId id="2147483695" r:id="rId11"/>
   </p:sldLayoutIdLst>
   <p:txStyles>
     <p:titleStyle>
-      <a:lvl1pPr algn="ctr" defTabSz="914400" rtl="0" eaLnBrk="1" latinLnBrk="0" hangingPunct="1">
+      <a:lvl1pPr algn="l" defTabSz="914400" rtl="0" eaLnBrk="1" latinLnBrk="0" hangingPunct="1">
         <a:spcBef>
           <a:spcPct val="0"/>
         </a:spcBef>
         <a:buNone/>
-        <a:defRPr sz="4400" kern="1200">
+        <a:defRPr sz="4600" kern="1200" cap="none" spc="-100" baseline="0">
+          <a:ln>
+            <a:noFill/>
+          </a:ln>
           <a:solidFill>
-            <a:schemeClr val="tx1"/>
+            <a:schemeClr val="tx2"/>
           </a:solidFill>
+          <a:effectLst/>
           <a:latin typeface="+mj-lt"/>
           <a:ea typeface="+mj-ea"/>
           <a:cs typeface="+mj-cs"/>
@@ -2856,13 +2905,16 @@
       </a:lvl1pPr>
     </p:titleStyle>
     <p:bodyStyle>
-      <a:lvl1pPr marL="342900" indent="-342900" algn="l" defTabSz="914400" rtl="0" eaLnBrk="1" latinLnBrk="0" hangingPunct="1">
+      <a:lvl1pPr marL="342900" indent="-228600" algn="l" defTabSz="914400" rtl="0" eaLnBrk="1" latinLnBrk="0" hangingPunct="1">
         <a:spcBef>
           <a:spcPct val="20000"/>
         </a:spcBef>
+        <a:buClr>
+          <a:schemeClr val="accent1"/>
+        </a:buClr>
         <a:buFont typeface="Arial" pitchFamily="34" charset="0"/>
         <a:buChar char="•"/>
-        <a:defRPr sz="3200" kern="1200">
+        <a:defRPr sz="2200" kern="1200">
           <a:solidFill>
             <a:schemeClr val="tx1"/>
           </a:solidFill>
@@ -2871,70 +2923,13 @@
           <a:cs typeface="+mn-cs"/>
         </a:defRPr>
       </a:lvl1pPr>
-      <a:lvl2pPr marL="742950" indent="-285750" algn="l" defTabSz="914400" rtl="0" eaLnBrk="1" latinLnBrk="0" hangingPunct="1">
+      <a:lvl2pPr marL="640080" indent="-228600" algn="l" defTabSz="914400" rtl="0" eaLnBrk="1" latinLnBrk="0" hangingPunct="1">
         <a:spcBef>
           <a:spcPct val="20000"/>
         </a:spcBef>
-        <a:buFont typeface="Arial" pitchFamily="34" charset="0"/>
-        <a:buChar char="–"/>
-        <a:defRPr sz="2800" kern="1200">
-          <a:solidFill>
-            <a:schemeClr val="tx1"/>
-          </a:solidFill>
-          <a:latin typeface="+mn-lt"/>
-          <a:ea typeface="+mn-ea"/>
-          <a:cs typeface="+mn-cs"/>
-        </a:defRPr>
-      </a:lvl2pPr>
-      <a:lvl3pPr marL="1143000" indent="-228600" algn="l" defTabSz="914400" rtl="0" eaLnBrk="1" latinLnBrk="0" hangingPunct="1">
-        <a:spcBef>
-          <a:spcPct val="20000"/>
-        </a:spcBef>
-        <a:buFont typeface="Arial" pitchFamily="34" charset="0"/>
-        <a:buChar char="•"/>
-        <a:defRPr sz="2400" kern="1200">
-          <a:solidFill>
-            <a:schemeClr val="tx1"/>
-          </a:solidFill>
-          <a:latin typeface="+mn-lt"/>
-          <a:ea typeface="+mn-ea"/>
-          <a:cs typeface="+mn-cs"/>
-        </a:defRPr>
-      </a:lvl3pPr>
-      <a:lvl4pPr marL="1600200" indent="-228600" algn="l" defTabSz="914400" rtl="0" eaLnBrk="1" latinLnBrk="0" hangingPunct="1">
-        <a:spcBef>
-          <a:spcPct val="20000"/>
-        </a:spcBef>
-        <a:buFont typeface="Arial" pitchFamily="34" charset="0"/>
-        <a:buChar char="–"/>
-        <a:defRPr sz="2000" kern="1200">
-          <a:solidFill>
-            <a:schemeClr val="tx1"/>
-          </a:solidFill>
-          <a:latin typeface="+mn-lt"/>
-          <a:ea typeface="+mn-ea"/>
-          <a:cs typeface="+mn-cs"/>
-        </a:defRPr>
-      </a:lvl4pPr>
-      <a:lvl5pPr marL="2057400" indent="-228600" algn="l" defTabSz="914400" rtl="0" eaLnBrk="1" latinLnBrk="0" hangingPunct="1">
-        <a:spcBef>
-          <a:spcPct val="20000"/>
-        </a:spcBef>
-        <a:buFont typeface="Arial" pitchFamily="34" charset="0"/>
-        <a:buChar char="»"/>
-        <a:defRPr sz="2000" kern="1200">
-          <a:solidFill>
-            <a:schemeClr val="tx1"/>
-          </a:solidFill>
-          <a:latin typeface="+mn-lt"/>
-          <a:ea typeface="+mn-ea"/>
-          <a:cs typeface="+mn-cs"/>
-        </a:defRPr>
-      </a:lvl5pPr>
-      <a:lvl6pPr marL="2514600" indent="-228600" algn="l" defTabSz="914400" rtl="0" eaLnBrk="1" latinLnBrk="0" hangingPunct="1">
-        <a:spcBef>
-          <a:spcPct val="20000"/>
-        </a:spcBef>
+        <a:buClr>
+          <a:schemeClr val="accent2"/>
+        </a:buClr>
         <a:buFont typeface="Arial" pitchFamily="34" charset="0"/>
         <a:buChar char="•"/>
         <a:defRPr sz="2000" kern="1200">
@@ -2945,14 +2940,89 @@
           <a:ea typeface="+mn-ea"/>
           <a:cs typeface="+mn-cs"/>
         </a:defRPr>
-      </a:lvl6pPr>
-      <a:lvl7pPr marL="2971800" indent="-228600" algn="l" defTabSz="914400" rtl="0" eaLnBrk="1" latinLnBrk="0" hangingPunct="1">
+      </a:lvl2pPr>
+      <a:lvl3pPr marL="1005840" indent="-228600" algn="l" defTabSz="914400" rtl="0" eaLnBrk="1" latinLnBrk="0" hangingPunct="1">
         <a:spcBef>
           <a:spcPct val="20000"/>
         </a:spcBef>
+        <a:buClr>
+          <a:schemeClr val="accent3"/>
+        </a:buClr>
         <a:buFont typeface="Arial" pitchFamily="34" charset="0"/>
         <a:buChar char="•"/>
-        <a:defRPr sz="2000" kern="1200">
+        <a:defRPr sz="1800" kern="1200">
+          <a:solidFill>
+            <a:schemeClr val="tx1"/>
+          </a:solidFill>
+          <a:latin typeface="+mn-lt"/>
+          <a:ea typeface="+mn-ea"/>
+          <a:cs typeface="+mn-cs"/>
+        </a:defRPr>
+      </a:lvl3pPr>
+      <a:lvl4pPr marL="1280160" indent="-228600" algn="l" defTabSz="914400" rtl="0" eaLnBrk="1" latinLnBrk="0" hangingPunct="1">
+        <a:spcBef>
+          <a:spcPct val="20000"/>
+        </a:spcBef>
+        <a:buClr>
+          <a:schemeClr val="accent4"/>
+        </a:buClr>
+        <a:buFont typeface="Arial" pitchFamily="34" charset="0"/>
+        <a:buChar char="•"/>
+        <a:defRPr sz="1600" kern="1200">
+          <a:solidFill>
+            <a:schemeClr val="tx1"/>
+          </a:solidFill>
+          <a:latin typeface="+mn-lt"/>
+          <a:ea typeface="+mn-ea"/>
+          <a:cs typeface="+mn-cs"/>
+        </a:defRPr>
+      </a:lvl4pPr>
+      <a:lvl5pPr marL="1554480" indent="-228600" algn="l" defTabSz="914400" rtl="0" eaLnBrk="1" latinLnBrk="0" hangingPunct="1">
+        <a:spcBef>
+          <a:spcPct val="20000"/>
+        </a:spcBef>
+        <a:buClr>
+          <a:schemeClr val="accent5"/>
+        </a:buClr>
+        <a:buFont typeface="Arial" pitchFamily="34" charset="0"/>
+        <a:buChar char="•"/>
+        <a:defRPr sz="1400" kern="1200" baseline="0">
+          <a:solidFill>
+            <a:schemeClr val="tx1"/>
+          </a:solidFill>
+          <a:latin typeface="+mn-lt"/>
+          <a:ea typeface="+mn-ea"/>
+          <a:cs typeface="+mn-cs"/>
+        </a:defRPr>
+      </a:lvl5pPr>
+      <a:lvl6pPr marL="1737360" indent="-182880" algn="l" defTabSz="914400" rtl="0" eaLnBrk="1" latinLnBrk="0" hangingPunct="1">
+        <a:spcBef>
+          <a:spcPct val="20000"/>
+        </a:spcBef>
+        <a:buClr>
+          <a:schemeClr val="accent1"/>
+        </a:buClr>
+        <a:buFont typeface="Arial" pitchFamily="34" charset="0"/>
+        <a:buChar char="•"/>
+        <a:defRPr sz="1400" kern="1200" baseline="0">
+          <a:solidFill>
+            <a:schemeClr val="tx1"/>
+          </a:solidFill>
+          <a:latin typeface="+mn-lt"/>
+          <a:ea typeface="+mn-ea"/>
+          <a:cs typeface="+mn-cs"/>
+        </a:defRPr>
+      </a:lvl6pPr>
+      <a:lvl7pPr marL="1920240" indent="-182880" algn="l" defTabSz="914400" rtl="0" eaLnBrk="1" latinLnBrk="0" hangingPunct="1">
+        <a:spcBef>
+          <a:spcPct val="20000"/>
+        </a:spcBef>
+        <a:buClr>
+          <a:schemeClr val="accent2"/>
+        </a:buClr>
+        <a:buFont typeface="Arial" pitchFamily="34" charset="0"/>
+        <a:buChar char="•"/>
+        <a:defRPr sz="1400" kern="1200">
           <a:solidFill>
             <a:schemeClr val="tx1"/>
           </a:solidFill>
@@ -2961,13 +3031,16 @@
           <a:cs typeface="+mn-cs"/>
         </a:defRPr>
       </a:lvl7pPr>
-      <a:lvl8pPr marL="3429000" indent="-228600" algn="l" defTabSz="914400" rtl="0" eaLnBrk="1" latinLnBrk="0" hangingPunct="1">
+      <a:lvl8pPr marL="2103120" indent="-182880" algn="l" defTabSz="914400" rtl="0" eaLnBrk="1" latinLnBrk="0" hangingPunct="1">
         <a:spcBef>
           <a:spcPct val="20000"/>
         </a:spcBef>
+        <a:buClr>
+          <a:schemeClr val="accent3"/>
+        </a:buClr>
         <a:buFont typeface="Arial" pitchFamily="34" charset="0"/>
         <a:buChar char="•"/>
-        <a:defRPr sz="2000" kern="1200">
+        <a:defRPr sz="1400" kern="1200">
           <a:solidFill>
             <a:schemeClr val="tx1"/>
           </a:solidFill>
@@ -2976,13 +3049,16 @@
           <a:cs typeface="+mn-cs"/>
         </a:defRPr>
       </a:lvl8pPr>
-      <a:lvl9pPr marL="3886200" indent="-228600" algn="l" defTabSz="914400" rtl="0" eaLnBrk="1" latinLnBrk="0" hangingPunct="1">
+      <a:lvl9pPr marL="2286000" indent="-182880" algn="l" defTabSz="914400" rtl="0" eaLnBrk="1" latinLnBrk="0" hangingPunct="1">
         <a:spcBef>
           <a:spcPct val="20000"/>
         </a:spcBef>
+        <a:buClr>
+          <a:schemeClr val="accent4"/>
+        </a:buClr>
         <a:buFont typeface="Arial" pitchFamily="34" charset="0"/>
         <a:buChar char="•"/>
-        <a:defRPr sz="2000" kern="1200">
+        <a:defRPr sz="1400" kern="1200">
           <a:solidFill>
             <a:schemeClr val="tx1"/>
           </a:solidFill>
@@ -2994,7 +3070,7 @@
     </p:bodyStyle>
     <p:otherStyle>
       <a:defPPr>
-        <a:defRPr lang="pt-BR"/>
+        <a:defRPr lang="en-US"/>
       </a:defPPr>
       <a:lvl1pPr marL="0" algn="l" defTabSz="914400" rtl="0" eaLnBrk="1" latinLnBrk="0" hangingPunct="1">
         <a:defRPr sz="1800" kern="1200">
@@ -3151,7 +3227,7 @@
         <p:spPr/>
         <p:txBody>
           <a:bodyPr>
-            <a:normAutofit fontScale="92500" lnSpcReduction="20000"/>
+            <a:normAutofit/>
           </a:bodyPr>
           <a:lstStyle/>
           <a:p>
@@ -3256,7 +3332,6 @@
               <a:rPr lang="pt-BR" dirty="0"/>
               <a:t>de dados</a:t>
             </a:r>
-            <a:endParaRPr lang="pt-BR" dirty="0"/>
           </a:p>
         </p:txBody>
       </p:sp>
@@ -3377,7 +3452,6 @@
               <a:rPr lang="pt-BR" dirty="0"/>
               <a:t>de dados</a:t>
             </a:r>
-            <a:endParaRPr lang="pt-BR" dirty="0"/>
           </a:p>
         </p:txBody>
       </p:sp>
@@ -3394,7 +3468,7 @@
         <p:spPr/>
         <p:txBody>
           <a:bodyPr>
-            <a:normAutofit fontScale="92500" lnSpcReduction="10000"/>
+            <a:normAutofit/>
           </a:bodyPr>
           <a:lstStyle/>
           <a:p>
@@ -3457,7 +3531,6 @@
               <a:rPr lang="pt-BR" dirty="0"/>
               <a:t>o executa define oq acontece e recalcula as novas posições pra retirar objetos entrepostos</a:t>
             </a:r>
-            <a:endParaRPr lang="pt-BR" dirty="0"/>
           </a:p>
         </p:txBody>
       </p:sp>
@@ -3630,7 +3703,7 @@
         </p:blipFill>
         <p:spPr bwMode="auto">
           <a:xfrm>
-            <a:off x="755576" y="0"/>
+            <a:off x="323528" y="771"/>
             <a:ext cx="7937585" cy="6857229"/>
           </a:xfrm>
           <a:prstGeom prst="rect">
@@ -3881,7 +3954,7 @@
         </p:blipFill>
         <p:spPr bwMode="auto">
           <a:xfrm>
-            <a:off x="6660232" y="3957261"/>
+            <a:off x="5580112" y="4221088"/>
             <a:ext cx="2160240" cy="2204484"/>
           </a:xfrm>
           <a:prstGeom prst="rect">
@@ -4870,7 +4943,7 @@
         <p:spPr bwMode="auto">
           <a:xfrm>
             <a:off x="323528" y="2204864"/>
-            <a:ext cx="8641014" cy="4320480"/>
+            <a:ext cx="7992888" cy="3996419"/>
           </a:xfrm>
           <a:prstGeom prst="rect">
             <a:avLst/>
@@ -4908,52 +4981,52 @@
 </file>
 
 <file path=ppt/theme/theme1.xml><?xml version="1.0" encoding="utf-8"?>
-<a:theme xmlns:a="http://schemas.openxmlformats.org/drawingml/2006/main" name="Office Theme">
+<a:theme xmlns:a="http://schemas.openxmlformats.org/drawingml/2006/main" name="Adjacency">
   <a:themeElements>
-    <a:clrScheme name="Office">
+    <a:clrScheme name="Adjacency">
       <a:dk1>
-        <a:sysClr val="windowText" lastClr="000000"/>
+        <a:srgbClr val="2F2B20"/>
       </a:dk1>
       <a:lt1>
-        <a:sysClr val="window" lastClr="FFFFFF"/>
+        <a:srgbClr val="FFFFFF"/>
       </a:lt1>
       <a:dk2>
-        <a:srgbClr val="1F497D"/>
+        <a:srgbClr val="675E47"/>
       </a:dk2>
       <a:lt2>
-        <a:srgbClr val="EEECE1"/>
+        <a:srgbClr val="DFDCB7"/>
       </a:lt2>
       <a:accent1>
-        <a:srgbClr val="4F81BD"/>
+        <a:srgbClr val="A9A57C"/>
       </a:accent1>
       <a:accent2>
-        <a:srgbClr val="C0504D"/>
+        <a:srgbClr val="9CBEBD"/>
       </a:accent2>
       <a:accent3>
-        <a:srgbClr val="9BBB59"/>
+        <a:srgbClr val="D2CB6C"/>
       </a:accent3>
       <a:accent4>
-        <a:srgbClr val="8064A2"/>
+        <a:srgbClr val="95A39D"/>
       </a:accent4>
       <a:accent5>
-        <a:srgbClr val="4BACC6"/>
+        <a:srgbClr val="C89F5D"/>
       </a:accent5>
       <a:accent6>
-        <a:srgbClr val="F79646"/>
+        <a:srgbClr val="B1A089"/>
       </a:accent6>
       <a:hlink>
-        <a:srgbClr val="0000FF"/>
+        <a:srgbClr val="D25814"/>
       </a:hlink>
       <a:folHlink>
-        <a:srgbClr val="800080"/>
+        <a:srgbClr val="849A0A"/>
       </a:folHlink>
     </a:clrScheme>
     <a:fontScheme name="Office">
       <a:majorFont>
-        <a:latin typeface="Calibri"/>
+        <a:latin typeface="Cambria"/>
         <a:ea typeface=""/>
         <a:cs typeface=""/>
-        <a:font script="Jpan" typeface="ＭＳ Ｐゴシック"/>
+        <a:font script="Jpan" typeface="ＭＳ ゴシック"/>
         <a:font script="Hang" typeface="맑은 고딕"/>
         <a:font script="Hans" typeface="宋体"/>
         <a:font script="Hant" typeface="新細明體"/>
@@ -4988,7 +5061,7 @@
         <a:latin typeface="Calibri"/>
         <a:ea typeface=""/>
         <a:cs typeface=""/>
-        <a:font script="Jpan" typeface="ＭＳ Ｐゴシック"/>
+        <a:font script="Jpan" typeface="ＭＳ 明朝"/>
         <a:font script="Hang" typeface="맑은 고딕"/>
         <a:font script="Hans" typeface="宋体"/>
         <a:font script="Hant" typeface="新細明體"/>
@@ -5020,60 +5093,22 @@
         <a:font script="Geor" typeface="Sylfaen"/>
       </a:minorFont>
     </a:fontScheme>
-    <a:fmtScheme name="Office">
+    <a:fmtScheme name="Adjacency">
       <a:fillStyleLst>
         <a:solidFill>
           <a:schemeClr val="phClr"/>
         </a:solidFill>
-        <a:gradFill rotWithShape="1">
-          <a:gsLst>
-            <a:gs pos="0">
-              <a:schemeClr val="phClr">
-                <a:tint val="50000"/>
-                <a:satMod val="300000"/>
-              </a:schemeClr>
-            </a:gs>
-            <a:gs pos="35000">
-              <a:schemeClr val="phClr">
-                <a:tint val="37000"/>
-                <a:satMod val="300000"/>
-              </a:schemeClr>
-            </a:gs>
-            <a:gs pos="100000">
-              <a:schemeClr val="phClr">
-                <a:tint val="15000"/>
-                <a:satMod val="350000"/>
-              </a:schemeClr>
-            </a:gs>
-          </a:gsLst>
-          <a:lin ang="16200000" scaled="1"/>
-        </a:gradFill>
-        <a:gradFill rotWithShape="1">
-          <a:gsLst>
-            <a:gs pos="0">
-              <a:schemeClr val="phClr">
-                <a:shade val="51000"/>
-                <a:satMod val="130000"/>
-              </a:schemeClr>
-            </a:gs>
-            <a:gs pos="80000">
-              <a:schemeClr val="phClr">
-                <a:shade val="93000"/>
-                <a:satMod val="130000"/>
-              </a:schemeClr>
-            </a:gs>
-            <a:gs pos="100000">
-              <a:schemeClr val="phClr">
-                <a:shade val="94000"/>
-                <a:satMod val="135000"/>
-              </a:schemeClr>
-            </a:gs>
-          </a:gsLst>
-          <a:lin ang="16200000" scaled="0"/>
-        </a:gradFill>
+        <a:solidFill>
+          <a:schemeClr val="phClr">
+            <a:tint val="55000"/>
+          </a:schemeClr>
+        </a:solidFill>
+        <a:solidFill>
+          <a:schemeClr val="phClr"/>
+        </a:solidFill>
       </a:fillStyleLst>
       <a:lnStyleLst>
-        <a:ln w="9525" cap="flat" cmpd="sng" algn="ctr">
+        <a:ln w="12700" cap="flat" cmpd="sng" algn="ctr">
           <a:solidFill>
             <a:schemeClr val="phClr">
               <a:shade val="95000"/>
@@ -5097,41 +5132,35 @@
       </a:lnStyleLst>
       <a:effectStyleLst>
         <a:effectStyle>
+          <a:effectLst/>
+        </a:effectStyle>
+        <a:effectStyle>
           <a:effectLst>
-            <a:outerShdw blurRad="40000" dist="20000" dir="5400000" rotWithShape="0">
+            <a:outerShdw blurRad="50800" dist="25400" algn="bl" rotWithShape="0">
               <a:srgbClr val="000000">
-                <a:alpha val="38000"/>
+                <a:alpha val="60000"/>
               </a:srgbClr>
             </a:outerShdw>
           </a:effectLst>
         </a:effectStyle>
         <a:effectStyle>
-          <a:effectLst>
-            <a:outerShdw blurRad="40000" dist="23000" dir="5400000" rotWithShape="0">
-              <a:srgbClr val="000000">
-                <a:alpha val="35000"/>
-              </a:srgbClr>
-            </a:outerShdw>
-          </a:effectLst>
-        </a:effectStyle>
-        <a:effectStyle>
-          <a:effectLst>
-            <a:outerShdw blurRad="40000" dist="23000" dir="5400000" rotWithShape="0">
-              <a:srgbClr val="000000">
-                <a:alpha val="35000"/>
-              </a:srgbClr>
-            </a:outerShdw>
-          </a:effectLst>
+          <a:effectLst/>
           <a:scene3d>
             <a:camera prst="orthographicFront">
               <a:rot lat="0" lon="0" rev="0"/>
             </a:camera>
-            <a:lightRig rig="threePt" dir="t">
-              <a:rot lat="0" lon="0" rev="1200000"/>
+            <a:lightRig rig="brightRoom" dir="tl">
+              <a:rot lat="0" lon="0" rev="1800000"/>
             </a:lightRig>
           </a:scene3d>
-          <a:sp3d>
-            <a:bevelT w="63500" h="25400"/>
+          <a:sp3d contourW="10160" prstMaterial="dkEdge">
+            <a:bevelT w="38100" h="50800" prst="angle"/>
+            <a:contourClr>
+              <a:schemeClr val="phClr">
+                <a:shade val="40000"/>
+                <a:satMod val="150000"/>
+              </a:schemeClr>
+            </a:contourClr>
           </a:sp3d>
         </a:effectStyle>
       </a:effectStyleLst>
@@ -5143,47 +5172,39 @@
           <a:gsLst>
             <a:gs pos="0">
               <a:schemeClr val="phClr">
-                <a:tint val="40000"/>
-                <a:satMod val="350000"/>
+                <a:tint val="90000"/>
               </a:schemeClr>
             </a:gs>
-            <a:gs pos="40000">
+            <a:gs pos="75000">
               <a:schemeClr val="phClr">
-                <a:tint val="45000"/>
-                <a:shade val="99000"/>
-                <a:satMod val="350000"/>
+                <a:shade val="100000"/>
+                <a:satMod val="115000"/>
               </a:schemeClr>
             </a:gs>
             <a:gs pos="100000">
               <a:schemeClr val="phClr">
-                <a:shade val="20000"/>
-                <a:satMod val="255000"/>
+                <a:shade val="70000"/>
+                <a:satMod val="130000"/>
               </a:schemeClr>
             </a:gs>
           </a:gsLst>
           <a:path path="circle">
-            <a:fillToRect l="50000" t="-80000" r="50000" b="180000"/>
+            <a:fillToRect l="20000" t="50000" r="100000" b="50000"/>
           </a:path>
         </a:gradFill>
-        <a:gradFill rotWithShape="1">
-          <a:gsLst>
-            <a:gs pos="0">
+        <a:blipFill rotWithShape="1">
+          <a:blip xmlns:r="http://schemas.openxmlformats.org/officeDocument/2006/relationships" r:embed="rId1">
+            <a:duotone>
               <a:schemeClr val="phClr">
-                <a:tint val="80000"/>
-                <a:satMod val="300000"/>
+                <a:tint val="97000"/>
               </a:schemeClr>
-            </a:gs>
-            <a:gs pos="100000">
               <a:schemeClr val="phClr">
-                <a:shade val="30000"/>
-                <a:satMod val="200000"/>
+                <a:shade val="96000"/>
               </a:schemeClr>
-            </a:gs>
-          </a:gsLst>
-          <a:path path="circle">
-            <a:fillToRect l="50000" t="50000" r="50000" b="50000"/>
-          </a:path>
-        </a:gradFill>
+            </a:duotone>
+          </a:blip>
+          <a:tile tx="0" ty="0" sx="32000" sy="32000" flip="none" algn="tl"/>
+        </a:blipFill>
       </a:bgFillStyleLst>
     </a:fmtScheme>
   </a:themeElements>

--- a/Apresentação/PacMan 3D.pptx
+++ b/Apresentação/PacMan 3D.pptx
@@ -3194,70 +3194,73 @@
             <p:ph type="ctrTitle"/>
           </p:nvPr>
         </p:nvSpPr>
-        <p:spPr/>
-        <p:txBody>
-          <a:bodyPr/>
+        <p:spPr>
+          <a:xfrm>
+            <a:off x="395536" y="1700808"/>
+            <a:ext cx="7543800" cy="1008113"/>
+          </a:xfrm>
+        </p:spPr>
+        <p:txBody>
+          <a:bodyPr/>
+          <a:lstStyle/>
+          <a:p>
+            <a:pPr algn="ctr"/>
+            <a:r>
+              <a:rPr lang="pt-BR" dirty="0" smtClean="0">
+                <a:latin typeface="PacFont" pitchFamily="2" charset="0"/>
+              </a:rPr>
+              <a:t>Pac---Man</a:t>
+            </a:r>
+            <a:endParaRPr lang="pt-BR" sz="2800" dirty="0">
+              <a:latin typeface="PacFont" pitchFamily="2" charset="0"/>
+            </a:endParaRPr>
+          </a:p>
+        </p:txBody>
+      </p:sp>
+      <p:sp>
+        <p:nvSpPr>
+          <p:cNvPr id="3" name="Subtitle 2"/>
+          <p:cNvSpPr>
+            <a:spLocks noGrp="1"/>
+          </p:cNvSpPr>
+          <p:nvPr>
+            <p:ph type="subTitle" idx="1"/>
+          </p:nvPr>
+        </p:nvSpPr>
+        <p:spPr/>
+        <p:txBody>
+          <a:bodyPr>
+            <a:normAutofit/>
+          </a:bodyPr>
           <a:lstStyle/>
           <a:p>
             <a:r>
               <a:rPr lang="pt-BR" dirty="0" smtClean="0"/>
-              <a:t>PacMan 3D </a:t>
+              <a:t>Guilherme Fay Vergara - </a:t>
+            </a:r>
+            <a:r>
+              <a:rPr lang="pt-BR" dirty="0"/>
+              <a:t>10/45547</a:t>
+            </a:r>
+            <a:endParaRPr lang="pt-BR" dirty="0" smtClean="0"/>
+          </a:p>
+          <a:p>
+            <a:r>
+              <a:rPr lang="pt-BR" dirty="0" smtClean="0"/>
+              <a:t>Gustavo Jaruga Cruz - </a:t>
+            </a:r>
+            <a:r>
+              <a:rPr lang="pt-BR" dirty="0"/>
+              <a:t>09/0066634</a:t>
+            </a:r>
+            <a:r>
+              <a:rPr lang="pt-BR" dirty="0" smtClean="0"/>
+              <a:t/>
             </a:r>
             <a:br>
               <a:rPr lang="pt-BR" dirty="0" smtClean="0"/>
             </a:br>
             <a:r>
-              <a:rPr lang="pt-BR" sz="2800" dirty="0" smtClean="0"/>
-              <a:t>Utilizando OpenGl</a:t>
-            </a:r>
-            <a:endParaRPr lang="pt-BR" sz="2800" dirty="0"/>
-          </a:p>
-        </p:txBody>
-      </p:sp>
-      <p:sp>
-        <p:nvSpPr>
-          <p:cNvPr id="3" name="Subtitle 2"/>
-          <p:cNvSpPr>
-            <a:spLocks noGrp="1"/>
-          </p:cNvSpPr>
-          <p:nvPr>
-            <p:ph type="subTitle" idx="1"/>
-          </p:nvPr>
-        </p:nvSpPr>
-        <p:spPr/>
-        <p:txBody>
-          <a:bodyPr>
-            <a:normAutofit/>
-          </a:bodyPr>
-          <a:lstStyle/>
-          <a:p>
-            <a:r>
-              <a:rPr lang="pt-BR" dirty="0" smtClean="0"/>
-              <a:t>Guilherme Fay Vergara - </a:t>
-            </a:r>
-            <a:r>
-              <a:rPr lang="pt-BR" dirty="0"/>
-              <a:t>10/45547</a:t>
-            </a:r>
-            <a:endParaRPr lang="pt-BR" dirty="0" smtClean="0"/>
-          </a:p>
-          <a:p>
-            <a:r>
-              <a:rPr lang="pt-BR" dirty="0" smtClean="0"/>
-              <a:t>Gustavo Jaruga Cruz - </a:t>
-            </a:r>
-            <a:r>
-              <a:rPr lang="pt-BR" dirty="0"/>
-              <a:t>09/0066634</a:t>
-            </a:r>
-            <a:r>
-              <a:rPr lang="pt-BR" dirty="0" smtClean="0"/>
-              <a:t/>
-            </a:r>
-            <a:br>
-              <a:rPr lang="pt-BR" dirty="0" smtClean="0"/>
-            </a:br>
-            <a:r>
               <a:rPr lang="pt-BR" dirty="0"/>
               <a:t>Luiz Fernando Gomes de </a:t>
             </a:r>
@@ -3269,6 +3272,61 @@
               <a:rPr lang="pt-BR" dirty="0"/>
               <a:t>10/46969</a:t>
             </a:r>
+          </a:p>
+        </p:txBody>
+      </p:sp>
+      <p:sp>
+        <p:nvSpPr>
+          <p:cNvPr id="6" name="Title 1"/>
+          <p:cNvSpPr txBox="1">
+            <a:spLocks/>
+          </p:cNvSpPr>
+          <p:nvPr/>
+        </p:nvSpPr>
+        <p:spPr>
+          <a:xfrm rot="20161840">
+            <a:off x="5879364" y="2518042"/>
+            <a:ext cx="2088232" cy="904076"/>
+          </a:xfrm>
+          <a:prstGeom prst="rect">
+            <a:avLst/>
+          </a:prstGeom>
+        </p:spPr>
+        <p:txBody>
+          <a:bodyPr vert="horz" lIns="91440" tIns="45720" rIns="91440" bIns="45720" rtlCol="0" anchor="b">
+            <a:noAutofit/>
+          </a:bodyPr>
+          <a:lstStyle>
+            <a:lvl1pPr algn="l" defTabSz="914400" rtl="0" eaLnBrk="1" latinLnBrk="0" hangingPunct="1">
+              <a:spcBef>
+                <a:spcPct val="0"/>
+              </a:spcBef>
+              <a:buNone/>
+              <a:defRPr sz="6600" kern="1200" cap="none" spc="-100" baseline="0">
+                <a:ln>
+                  <a:noFill/>
+                </a:ln>
+                <a:solidFill>
+                  <a:schemeClr val="tx2"/>
+                </a:solidFill>
+                <a:effectLst/>
+                <a:latin typeface="+mj-lt"/>
+                <a:ea typeface="+mj-ea"/>
+                <a:cs typeface="+mj-cs"/>
+              </a:defRPr>
+            </a:lvl1pPr>
+          </a:lstStyle>
+          <a:p>
+            <a:pPr algn="ctr"/>
+            <a:r>
+              <a:rPr lang="pt-BR" dirty="0" smtClean="0">
+                <a:latin typeface="+mn-lt"/>
+              </a:rPr>
+              <a:t>3D</a:t>
+            </a:r>
+            <a:endParaRPr lang="pt-BR" sz="2800" dirty="0">
+              <a:latin typeface="+mn-lt"/>
+            </a:endParaRPr>
           </a:p>
         </p:txBody>
       </p:sp>
@@ -3347,20 +3405,31 @@
         </p:nvSpPr>
         <p:spPr/>
         <p:txBody>
-          <a:bodyPr/>
-          <a:lstStyle/>
-          <a:p>
-            <a:r>
-              <a:rPr lang="pt-BR" dirty="0"/>
+          <a:bodyPr>
+            <a:normAutofit/>
+          </a:bodyPr>
+          <a:lstStyle/>
+          <a:p>
+            <a:pPr>
+              <a:lnSpc>
+                <a:spcPct val="150000"/>
+              </a:lnSpc>
+            </a:pPr>
+            <a:r>
+              <a:rPr lang="pt-BR" sz="2400" dirty="0"/>
               <a:t>Game::Manager executa</a:t>
             </a:r>
             <a:r>
-              <a:rPr lang="pt-BR" dirty="0" smtClean="0"/>
+              <a:rPr lang="pt-BR" sz="2400" dirty="0" smtClean="0"/>
               <a:t>()</a:t>
             </a:r>
           </a:p>
           <a:p>
-            <a:pPr lvl="1"/>
+            <a:pPr lvl="1">
+              <a:lnSpc>
+                <a:spcPct val="150000"/>
+              </a:lnSpc>
+            </a:pPr>
             <a:r>
               <a:rPr lang="pt-BR" dirty="0" smtClean="0"/>
               <a:t>É onde inicia o OpenGL, onde </a:t>
@@ -3473,62 +3542,62 @@
           <a:lstStyle/>
           <a:p>
             <a:r>
-              <a:rPr lang="pt-BR" dirty="0"/>
+              <a:rPr lang="pt-BR" sz="2400" dirty="0"/>
               <a:t>Loop </a:t>
             </a:r>
             <a:r>
-              <a:rPr lang="pt-BR" dirty="0" smtClean="0"/>
+              <a:rPr lang="pt-BR" sz="2400" dirty="0" smtClean="0"/>
               <a:t>Pricipal</a:t>
             </a:r>
           </a:p>
           <a:p>
             <a:pPr lvl="1"/>
             <a:r>
-              <a:rPr lang="pt-BR" dirty="0" smtClean="0"/>
+              <a:rPr lang="pt-BR" sz="2400" dirty="0" smtClean="0"/>
               <a:t>O </a:t>
             </a:r>
             <a:r>
-              <a:rPr lang="pt-BR" dirty="0"/>
+              <a:rPr lang="pt-BR" sz="2400" dirty="0"/>
               <a:t>loop vai fazer uma iteração em toda a lista de entidades e rodar todos os Loops das </a:t>
             </a:r>
             <a:r>
-              <a:rPr lang="pt-BR" dirty="0" smtClean="0"/>
+              <a:rPr lang="pt-BR" sz="2400" dirty="0" smtClean="0"/>
               <a:t>entidades isso </a:t>
             </a:r>
             <a:r>
-              <a:rPr lang="pt-BR" dirty="0"/>
+              <a:rPr lang="pt-BR" sz="2400" dirty="0"/>
               <a:t>basicamente calcula a nova coordenada da entidade de acordo com a velocidade e aceleração </a:t>
             </a:r>
             <a:r>
-              <a:rPr lang="pt-BR" dirty="0" smtClean="0"/>
+              <a:rPr lang="pt-BR" sz="2400" dirty="0" smtClean="0"/>
               <a:t>delas, depois </a:t>
             </a:r>
             <a:r>
-              <a:rPr lang="pt-BR" dirty="0"/>
+              <a:rPr lang="pt-BR" sz="2400" dirty="0"/>
               <a:t>ele executa o testaColisao de todas as entidades da lista</a:t>
             </a:r>
           </a:p>
           <a:p>
             <a:r>
-              <a:rPr lang="pt-BR" dirty="0"/>
+              <a:rPr lang="pt-BR" sz="2400" dirty="0"/>
               <a:t>Loop() -&gt;testColisa0() -&gt; executeColisao()</a:t>
             </a:r>
           </a:p>
           <a:p>
             <a:pPr lvl="1"/>
             <a:r>
-              <a:rPr lang="pt-BR" dirty="0" smtClean="0"/>
+              <a:rPr lang="pt-BR" sz="2400" dirty="0" smtClean="0"/>
               <a:t>testa </a:t>
             </a:r>
             <a:r>
-              <a:rPr lang="pt-BR" dirty="0"/>
+              <a:rPr lang="pt-BR" sz="2400" dirty="0"/>
               <a:t>colisão calcula se ha qualquer tipo de colisao</a:t>
             </a:r>
           </a:p>
           <a:p>
             <a:pPr lvl="1"/>
             <a:r>
-              <a:rPr lang="pt-BR" dirty="0"/>
+              <a:rPr lang="pt-BR" sz="2400" dirty="0"/>
               <a:t>o executa define oq acontece e recalcula as novas posições pra retirar objetos entrepostos</a:t>
             </a:r>
           </a:p>
@@ -3609,32 +3678,57 @@
           <a:bodyPr/>
           <a:lstStyle/>
           <a:p>
-            <a:r>
-              <a:rPr lang="pt-BR" dirty="0" smtClean="0"/>
+            <a:pPr>
+              <a:lnSpc>
+                <a:spcPct val="150000"/>
+              </a:lnSpc>
+            </a:pPr>
+            <a:r>
+              <a:rPr lang="pt-BR" sz="2400" dirty="0" smtClean="0"/>
               <a:t>Nosso mapa é gerado apartir de 4 tipos de entradas gerando assim nosso tilemap, esses tiles são de 4 tipos, sendo eles:</a:t>
             </a:r>
           </a:p>
           <a:p>
-            <a:r>
-              <a:rPr lang="pt-BR" dirty="0" smtClean="0"/>
+            <a:pPr>
+              <a:lnSpc>
+                <a:spcPct val="150000"/>
+              </a:lnSpc>
+            </a:pPr>
+            <a:r>
+              <a:rPr lang="pt-BR" sz="2400" dirty="0" smtClean="0"/>
               <a:t>[1] Paredes</a:t>
             </a:r>
           </a:p>
           <a:p>
-            <a:r>
-              <a:rPr lang="pt-BR" dirty="0" smtClean="0"/>
+            <a:pPr>
+              <a:lnSpc>
+                <a:spcPct val="150000"/>
+              </a:lnSpc>
+            </a:pPr>
+            <a:r>
+              <a:rPr lang="pt-BR" sz="2400" dirty="0" smtClean="0"/>
               <a:t>[2] Espaço em branco</a:t>
             </a:r>
           </a:p>
           <a:p>
-            <a:r>
-              <a:rPr lang="pt-BR" dirty="0" smtClean="0"/>
+            <a:pPr>
+              <a:lnSpc>
+                <a:spcPct val="150000"/>
+              </a:lnSpc>
+            </a:pPr>
+            <a:r>
+              <a:rPr lang="pt-BR" sz="2400" dirty="0" smtClean="0"/>
               <a:t>[3] Bolas normais</a:t>
             </a:r>
           </a:p>
           <a:p>
-            <a:r>
-              <a:rPr lang="pt-BR" dirty="0" smtClean="0"/>
+            <a:pPr>
+              <a:lnSpc>
+                <a:spcPct val="150000"/>
+              </a:lnSpc>
+            </a:pPr>
+            <a:r>
+              <a:rPr lang="pt-BR" sz="2400" dirty="0" smtClean="0"/>
               <a:t>[4] Bolas Especiais</a:t>
             </a:r>
           </a:p>
@@ -3798,47 +3892,57 @@
           </a:bodyPr>
           <a:lstStyle/>
           <a:p>
-            <a:r>
-              <a:rPr lang="pt-BR" dirty="0" smtClean="0"/>
+            <a:pPr>
+              <a:lnSpc>
+                <a:spcPct val="150000"/>
+              </a:lnSpc>
+            </a:pPr>
+            <a:r>
+              <a:rPr lang="pt-BR" sz="2400" dirty="0" smtClean="0"/>
               <a:t>Dificuldades em discubrir o modo </a:t>
             </a:r>
             <a:r>
-              <a:rPr lang="pt-BR" dirty="0"/>
+              <a:rPr lang="pt-BR" sz="2400" dirty="0"/>
               <a:t>com </a:t>
             </a:r>
             <a:r>
-              <a:rPr lang="pt-BR" dirty="0" smtClean="0"/>
+              <a:rPr lang="pt-BR" sz="2400" dirty="0" smtClean="0"/>
               <a:t>que </a:t>
             </a:r>
             <a:r>
-              <a:rPr lang="pt-BR" dirty="0"/>
+              <a:rPr lang="pt-BR" sz="2400" dirty="0"/>
               <a:t>o glut atrubui as funções e gerencia os </a:t>
             </a:r>
             <a:r>
-              <a:rPr lang="pt-BR" dirty="0" smtClean="0"/>
+              <a:rPr lang="pt-BR" sz="2400" dirty="0" smtClean="0"/>
               <a:t>eventos;</a:t>
             </a:r>
           </a:p>
           <a:p>
-            <a:r>
-              <a:rPr lang="pt-BR" dirty="0" smtClean="0"/>
+            <a:pPr>
+              <a:lnSpc>
+                <a:spcPct val="150000"/>
+              </a:lnSpc>
+            </a:pPr>
+            <a:r>
+              <a:rPr lang="pt-BR" sz="2400" dirty="0" smtClean="0"/>
               <a:t>Dificuldades em tornar o jogo jogável por multiplataformas; especificamente no tratamento de sons;</a:t>
             </a:r>
           </a:p>
           <a:p>
-            <a:r>
-              <a:rPr lang="pt-BR" dirty="0"/>
+            <a:pPr>
+              <a:lnSpc>
+                <a:spcPct val="150000"/>
+              </a:lnSpc>
+            </a:pPr>
+            <a:r>
+              <a:rPr lang="pt-BR" sz="2400" dirty="0"/>
               <a:t>Dificuldade em imprimir objetos 2d por cima do cenario </a:t>
             </a:r>
             <a:r>
-              <a:rPr lang="pt-BR" dirty="0" smtClean="0"/>
-              <a:t>3d (</a:t>
-            </a:r>
-            <a:r>
-              <a:rPr lang="pt-BR" smtClean="0"/>
-              <a:t>minimap);</a:t>
-            </a:r>
-            <a:endParaRPr lang="pt-BR" dirty="0" smtClean="0"/>
+              <a:rPr lang="pt-BR" sz="2400" dirty="0" smtClean="0"/>
+              <a:t>3d (minimap);</a:t>
+            </a:r>
           </a:p>
           <a:p>
             <a:endParaRPr lang="pt-BR" dirty="0"/>
@@ -3922,7 +4026,7 @@
           <a:p>
             <a:pPr algn="ctr"/>
             <a:r>
-              <a:rPr lang="pt-BR" dirty="0" smtClean="0"/>
+              <a:rPr lang="pt-BR" sz="2800" dirty="0" smtClean="0"/>
               <a:t>Desenvolver um “PacMan” em 3D utilizando o Opengl como API grafica.</a:t>
             </a:r>
           </a:p>
@@ -4044,30 +4148,51 @@
         </p:nvSpPr>
         <p:spPr/>
         <p:txBody>
-          <a:bodyPr/>
-          <a:lstStyle/>
-          <a:p>
-            <a:r>
-              <a:rPr lang="pt-BR" dirty="0" smtClean="0"/>
+          <a:bodyPr>
+            <a:normAutofit/>
+          </a:bodyPr>
+          <a:lstStyle/>
+          <a:p>
+            <a:pPr>
+              <a:lnSpc>
+                <a:spcPct val="200000"/>
+              </a:lnSpc>
+            </a:pPr>
+            <a:r>
+              <a:rPr lang="pt-BR" sz="2400" dirty="0" smtClean="0"/>
               <a:t>Gênero: Primeira Pessoa, Labirinto</a:t>
             </a:r>
           </a:p>
           <a:p>
-            <a:r>
-              <a:rPr lang="pt-BR" dirty="0" smtClean="0"/>
+            <a:pPr>
+              <a:lnSpc>
+                <a:spcPct val="200000"/>
+              </a:lnSpc>
+            </a:pPr>
+            <a:r>
+              <a:rPr lang="pt-BR" sz="2400" dirty="0" smtClean="0"/>
               <a:t>Numero de Jogadores: 1 Player</a:t>
             </a:r>
           </a:p>
           <a:p>
-            <a:pPr lvl="1"/>
-            <a:r>
-              <a:rPr lang="pt-BR" dirty="0" smtClean="0"/>
+            <a:pPr lvl="1">
+              <a:lnSpc>
+                <a:spcPct val="200000"/>
+              </a:lnSpc>
+            </a:pPr>
+            <a:r>
+              <a:rPr lang="pt-BR" sz="2400" dirty="0" smtClean="0"/>
               <a:t>Desafio: Multiplayer para 2 jogadores Alternados</a:t>
             </a:r>
           </a:p>
           <a:p>
-            <a:r>
-              <a:rPr lang="pt-BR" dirty="0" smtClean="0"/>
+            <a:pPr>
+              <a:lnSpc>
+                <a:spcPct val="200000"/>
+              </a:lnSpc>
+            </a:pPr>
+            <a:r>
+              <a:rPr lang="pt-BR" sz="2400" dirty="0" smtClean="0"/>
               <a:t>Objetivo: O objetivo do jogo é bem simples, o jogador tem que coletar todas as bolinhas do labirinto</a:t>
             </a:r>
           </a:p>
@@ -4145,32 +4270,51 @@
         </p:nvSpPr>
         <p:spPr/>
         <p:txBody>
-          <a:bodyPr/>
-          <a:lstStyle/>
-          <a:p>
-            <a:r>
-              <a:rPr lang="pt-BR" dirty="0" smtClean="0"/>
+          <a:bodyPr>
+            <a:normAutofit/>
+          </a:bodyPr>
+          <a:lstStyle/>
+          <a:p>
+            <a:pPr>
+              <a:lnSpc>
+                <a:spcPct val="150000"/>
+              </a:lnSpc>
+            </a:pPr>
+            <a:r>
+              <a:rPr lang="pt-BR" sz="2400" dirty="0" smtClean="0"/>
               <a:t>PacMan</a:t>
             </a:r>
           </a:p>
           <a:p>
-            <a:pPr lvl="1"/>
-            <a:r>
-              <a:rPr lang="pt-BR" dirty="0" smtClean="0"/>
+            <a:pPr lvl="1">
+              <a:lnSpc>
+                <a:spcPct val="150000"/>
+              </a:lnSpc>
+            </a:pPr>
+            <a:r>
+              <a:rPr lang="pt-BR" sz="2400" dirty="0" smtClean="0"/>
               <a:t>Este é o personagem Principal.</a:t>
             </a:r>
           </a:p>
           <a:p>
-            <a:pPr lvl="1"/>
-            <a:r>
-              <a:rPr lang="pt-BR" dirty="0" smtClean="0"/>
+            <a:pPr lvl="1">
+              <a:lnSpc>
+                <a:spcPct val="150000"/>
+              </a:lnSpc>
+            </a:pPr>
+            <a:r>
+              <a:rPr lang="pt-BR" sz="2400" dirty="0" smtClean="0"/>
               <a:t>Você terá uma visão em primeira pessoa deste objeto.</a:t>
             </a:r>
           </a:p>
           <a:p>
-            <a:pPr lvl="1"/>
-            <a:r>
-              <a:rPr lang="pt-BR" dirty="0" smtClean="0"/>
+            <a:pPr lvl="1">
+              <a:lnSpc>
+                <a:spcPct val="150000"/>
+              </a:lnSpc>
+            </a:pPr>
+            <a:r>
+              <a:rPr lang="pt-BR" sz="2400" dirty="0" smtClean="0"/>
               <a:t>Seu objetivo é coletar as bolinhas estes que você morra para os fantasmas</a:t>
             </a:r>
           </a:p>
@@ -4178,9 +4322,9 @@
       </p:sp>
       <p:pic>
         <p:nvPicPr>
-          <p:cNvPr id="3075" name="Picture 3" descr="C:\Users\Guilherme\Desktop\Nova pasta (2)\Pac-Man.gif"/>
+          <p:cNvPr id="2050" name="Picture 2" descr="C:\Users\Guilherme\Desktop\200px-Pac_Man.svg.png"/>
           <p:cNvPicPr>
-            <a:picLocks noChangeAspect="1" noChangeArrowheads="1" noCrop="1"/>
+            <a:picLocks noChangeAspect="1" noChangeArrowheads="1"/>
           </p:cNvPicPr>
           <p:nvPr/>
         </p:nvPicPr>
@@ -4199,8 +4343,8 @@
         </p:blipFill>
         <p:spPr bwMode="auto">
           <a:xfrm>
-            <a:off x="3563888" y="4581128"/>
-            <a:ext cx="1960612" cy="1960612"/>
+            <a:off x="5299736" y="4293096"/>
+            <a:ext cx="1905000" cy="2228850"/>
           </a:xfrm>
           <a:prstGeom prst="rect">
             <a:avLst/>
@@ -4294,25 +4438,27 @@
           </a:xfrm>
         </p:spPr>
         <p:txBody>
-          <a:bodyPr/>
-          <a:lstStyle/>
-          <a:p>
-            <a:r>
-              <a:rPr lang="pt-BR" dirty="0" smtClean="0"/>
+          <a:bodyPr>
+            <a:normAutofit/>
+          </a:bodyPr>
+          <a:lstStyle/>
+          <a:p>
+            <a:r>
+              <a:rPr lang="pt-BR" sz="2400" dirty="0" smtClean="0"/>
               <a:t>Fantasmas</a:t>
             </a:r>
           </a:p>
           <a:p>
             <a:pPr lvl="1"/>
             <a:r>
-              <a:rPr lang="pt-BR" dirty="0" smtClean="0"/>
+              <a:rPr lang="pt-BR" sz="2400" dirty="0" smtClean="0"/>
               <a:t>Os fantasmas tem um objetivo bem simples</a:t>
             </a:r>
             <a:br>
-              <a:rPr lang="pt-BR" dirty="0" smtClean="0"/>
+              <a:rPr lang="pt-BR" sz="2400" dirty="0" smtClean="0"/>
             </a:br>
             <a:r>
-              <a:rPr lang="pt-BR" dirty="0" smtClean="0"/>
+              <a:rPr lang="pt-BR" sz="2400" dirty="0" smtClean="0"/>
               <a:t>			  MATAR VOCÊ</a:t>
             </a:r>
           </a:p>
@@ -4341,7 +4487,7 @@
         </p:blipFill>
         <p:spPr bwMode="auto">
           <a:xfrm>
-            <a:off x="1031001" y="2776817"/>
+            <a:off x="1031001" y="3611553"/>
             <a:ext cx="952500" cy="952500"/>
           </a:xfrm>
           <a:prstGeom prst="rect">
@@ -4382,7 +4528,7 @@
         </p:blipFill>
         <p:spPr bwMode="auto">
           <a:xfrm>
-            <a:off x="2123728" y="4552950"/>
+            <a:off x="2771800" y="3611553"/>
             <a:ext cx="952500" cy="952500"/>
           </a:xfrm>
           <a:prstGeom prst="rect">
@@ -4423,7 +4569,7 @@
         </p:blipFill>
         <p:spPr bwMode="auto">
           <a:xfrm>
-            <a:off x="5148064" y="4552950"/>
+            <a:off x="4716016" y="3611553"/>
             <a:ext cx="952500" cy="952500"/>
           </a:xfrm>
           <a:prstGeom prst="rect">
@@ -4464,7 +4610,7 @@
         </p:blipFill>
         <p:spPr bwMode="auto">
           <a:xfrm>
-            <a:off x="6732240" y="2708920"/>
+            <a:off x="6372200" y="3611553"/>
             <a:ext cx="952500" cy="952500"/>
           </a:xfrm>
           <a:prstGeom prst="rect">
@@ -4557,41 +4703,68 @@
           <a:bodyPr/>
           <a:lstStyle/>
           <a:p>
-            <a:r>
-              <a:rPr lang="pt-BR" dirty="0" smtClean="0"/>
+            <a:pPr>
+              <a:lnSpc>
+                <a:spcPct val="150000"/>
+              </a:lnSpc>
+            </a:pPr>
+            <a:r>
+              <a:rPr lang="pt-BR" sz="2400" dirty="0" smtClean="0"/>
               <a:t>Bolinhas</a:t>
             </a:r>
           </a:p>
           <a:p>
-            <a:pPr lvl="1"/>
-            <a:r>
-              <a:rPr lang="pt-BR" dirty="0" smtClean="0"/>
+            <a:pPr lvl="1">
+              <a:lnSpc>
+                <a:spcPct val="150000"/>
+              </a:lnSpc>
+            </a:pPr>
+            <a:r>
+              <a:rPr lang="pt-BR" sz="2400" dirty="0" smtClean="0"/>
               <a:t>As bolinhas são nescessárias para se conseguir pontos</a:t>
             </a:r>
           </a:p>
           <a:p>
-            <a:r>
-              <a:rPr lang="pt-BR" dirty="0" smtClean="0"/>
+            <a:pPr>
+              <a:lnSpc>
+                <a:spcPct val="150000"/>
+              </a:lnSpc>
+            </a:pPr>
+            <a:r>
+              <a:rPr lang="pt-BR" sz="2400" dirty="0" smtClean="0"/>
               <a:t>Bola especial</a:t>
             </a:r>
           </a:p>
           <a:p>
-            <a:pPr lvl="1"/>
-            <a:r>
-              <a:rPr lang="pt-BR" dirty="0" smtClean="0"/>
+            <a:pPr lvl="1">
+              <a:lnSpc>
+                <a:spcPct val="150000"/>
+              </a:lnSpc>
+            </a:pPr>
+            <a:r>
+              <a:rPr lang="pt-BR" sz="2400" dirty="0" smtClean="0"/>
               <a:t>A bola especial serve para tornar os fantasmas “comíveis”</a:t>
             </a:r>
           </a:p>
           <a:p>
-            <a:r>
-              <a:rPr lang="pt-BR" dirty="0" smtClean="0"/>
+            <a:pPr>
+              <a:lnSpc>
+                <a:spcPct val="150000"/>
+              </a:lnSpc>
+            </a:pPr>
+            <a:r>
+              <a:rPr lang="pt-BR" sz="2400" dirty="0" smtClean="0"/>
               <a:t>Paredes</a:t>
             </a:r>
           </a:p>
           <a:p>
-            <a:pPr lvl="1"/>
-            <a:r>
-              <a:rPr lang="pt-BR" dirty="0" smtClean="0"/>
+            <a:pPr lvl="1">
+              <a:lnSpc>
+                <a:spcPct val="150000"/>
+              </a:lnSpc>
+            </a:pPr>
+            <a:r>
+              <a:rPr lang="pt-BR" sz="2400" dirty="0" smtClean="0"/>
               <a:t>As paredes demarcam o labirinto do jogo</a:t>
             </a:r>
           </a:p>
@@ -4623,7 +4796,7 @@
         </p:blipFill>
         <p:spPr bwMode="auto">
           <a:xfrm>
-            <a:off x="7380312" y="908720"/>
+            <a:off x="6300192" y="980728"/>
             <a:ext cx="952500" cy="952500"/>
           </a:xfrm>
           <a:prstGeom prst="rect">
@@ -4716,29 +4889,46 @@
           <a:bodyPr/>
           <a:lstStyle/>
           <a:p>
-            <a:r>
-              <a:rPr lang="pt-BR" dirty="0" smtClean="0"/>
+            <a:pPr>
+              <a:lnSpc>
+                <a:spcPct val="150000"/>
+              </a:lnSpc>
+            </a:pPr>
+            <a:r>
+              <a:rPr lang="pt-BR" sz="2400" dirty="0" smtClean="0"/>
               <a:t>Haverá detecção de colisão entre:</a:t>
             </a:r>
           </a:p>
           <a:p>
-            <a:pPr lvl="1"/>
-            <a:r>
-              <a:rPr lang="pt-BR" dirty="0" smtClean="0"/>
+            <a:pPr lvl="1">
+              <a:lnSpc>
+                <a:spcPct val="150000"/>
+              </a:lnSpc>
+            </a:pPr>
+            <a:r>
+              <a:rPr lang="pt-BR" sz="2400" dirty="0" smtClean="0"/>
               <a:t>Player X Parede</a:t>
             </a:r>
           </a:p>
           <a:p>
-            <a:pPr lvl="1"/>
-            <a:r>
-              <a:rPr lang="pt-BR" dirty="0" smtClean="0"/>
+            <a:pPr lvl="1">
+              <a:lnSpc>
+                <a:spcPct val="150000"/>
+              </a:lnSpc>
+            </a:pPr>
+            <a:r>
+              <a:rPr lang="pt-BR" sz="2400" dirty="0" smtClean="0"/>
               <a:t>Player X Fantasma</a:t>
             </a:r>
           </a:p>
           <a:p>
-            <a:pPr lvl="1"/>
-            <a:r>
-              <a:rPr lang="pt-BR" dirty="0" smtClean="0"/>
+            <a:pPr lvl="1">
+              <a:lnSpc>
+                <a:spcPct val="150000"/>
+              </a:lnSpc>
+            </a:pPr>
+            <a:r>
+              <a:rPr lang="pt-BR" sz="2400" dirty="0" smtClean="0"/>
               <a:t>Fantasma X Parede</a:t>
             </a:r>
           </a:p>
@@ -4819,20 +5009,32 @@
         </p:nvSpPr>
         <p:spPr/>
         <p:txBody>
-          <a:bodyPr/>
-          <a:lstStyle/>
-          <a:p>
-            <a:r>
-              <a:rPr lang="pt-BR" dirty="0" smtClean="0"/>
+          <a:bodyPr>
+            <a:normAutofit/>
+          </a:bodyPr>
+          <a:lstStyle/>
+          <a:p>
+            <a:pPr>
+              <a:lnSpc>
+                <a:spcPct val="150000"/>
+              </a:lnSpc>
+            </a:pPr>
+            <a:r>
+              <a:rPr lang="pt-BR" sz="2400" dirty="0" smtClean="0"/>
               <a:t>O player terá somente um grau de liberdade, podendo andar para um dos 4 lados disponíveis, podendo “olhar” com a ajuda do mouse para qualquer direção.</a:t>
             </a:r>
           </a:p>
           <a:p>
-            <a:r>
-              <a:rPr lang="pt-BR" smtClean="0"/>
+            <a:pPr>
+              <a:lnSpc>
+                <a:spcPct val="150000"/>
+              </a:lnSpc>
+            </a:pPr>
+            <a:r>
+              <a:rPr lang="pt-BR" sz="2400" dirty="0" smtClean="0"/>
               <a:t>A luz será uma luz spot em um dos cantos do cenário.</a:t>
             </a:r>
-            <a:endParaRPr lang="pt-BR" dirty="0"/>
+            <a:endParaRPr lang="pt-BR" sz="2400" dirty="0"/>
           </a:p>
         </p:txBody>
       </p:sp>
